--- a/CaseStudy1_Final_Presentation.pptx
+++ b/CaseStudy1_Final_Presentation.pptx
@@ -3740,10 +3740,15 @@
             <p:ph idx="1"/>
           </p:nvPr>
         </p:nvSpPr>
-        <p:spPr/>
+        <p:spPr>
+          <a:xfrm>
+            <a:off x="50202" y="2015733"/>
+            <a:ext cx="8079696" cy="3450613"/>
+          </a:xfrm>
+        </p:spPr>
         <p:txBody>
           <a:bodyPr>
-            <a:normAutofit fontScale="85000" lnSpcReduction="10000"/>
+            <a:normAutofit fontScale="70000" lnSpcReduction="20000"/>
           </a:bodyPr>
           <a:lstStyle/>
           <a:p>

--- a/CaseStudy1_Final_Presentation.pptx
+++ b/CaseStudy1_Final_Presentation.pptx
@@ -115,6 +115,11 @@
       </a:defRPr>
     </a:lvl9pPr>
   </p:defaultTextStyle>
+  <p:extLst>
+    <p:ext uri="{EFAFB233-063F-42B5-8137-9DF3F51BA10A}">
+      <p15:sldGuideLst xmlns:p15="http://schemas.microsoft.com/office/powerpoint/2012/main"/>
+    </p:ext>
+  </p:extLst>
 </p:presentation>
 </file>
 
@@ -257,7 +262,7 @@
           <a:p>
             <a:fld id="{48A87A34-81AB-432B-8DAE-1953F412C126}" type="datetimeFigureOut">
               <a:rPr lang="en-US" dirty="0"/>
-              <a:t>3/4/21</a:t>
+              <a:t>3/5/21</a:t>
             </a:fld>
             <a:endParaRPr lang="en-US" dirty="0"/>
           </a:p>
@@ -463,7 +468,7 @@
           <a:p>
             <a:fld id="{48A87A34-81AB-432B-8DAE-1953F412C126}" type="datetimeFigureOut">
               <a:rPr lang="en-US" dirty="0"/>
-              <a:t>3/4/21</a:t>
+              <a:t>3/5/21</a:t>
             </a:fld>
             <a:endParaRPr lang="en-US" dirty="0"/>
           </a:p>
@@ -673,7 +678,7 @@
           <a:p>
             <a:fld id="{48A87A34-81AB-432B-8DAE-1953F412C126}" type="datetimeFigureOut">
               <a:rPr lang="en-US" dirty="0"/>
-              <a:t>3/4/21</a:t>
+              <a:t>3/5/21</a:t>
             </a:fld>
             <a:endParaRPr lang="en-US" dirty="0"/>
           </a:p>
@@ -869,7 +874,7 @@
           <a:p>
             <a:fld id="{48A87A34-81AB-432B-8DAE-1953F412C126}" type="datetimeFigureOut">
               <a:rPr lang="en-US" dirty="0"/>
-              <a:t>3/4/21</a:t>
+              <a:t>3/5/21</a:t>
             </a:fld>
             <a:endParaRPr lang="en-US" dirty="0"/>
           </a:p>
@@ -1143,7 +1148,7 @@
           <a:p>
             <a:fld id="{48A87A34-81AB-432B-8DAE-1953F412C126}" type="datetimeFigureOut">
               <a:rPr lang="en-US" dirty="0"/>
-              <a:t>3/4/21</a:t>
+              <a:t>3/5/21</a:t>
             </a:fld>
             <a:endParaRPr lang="en-US" dirty="0"/>
           </a:p>
@@ -1406,7 +1411,7 @@
           <a:p>
             <a:fld id="{48A87A34-81AB-432B-8DAE-1953F412C126}" type="datetimeFigureOut">
               <a:rPr lang="en-US" dirty="0"/>
-              <a:t>3/4/21</a:t>
+              <a:t>3/5/21</a:t>
             </a:fld>
             <a:endParaRPr lang="en-US" dirty="0"/>
           </a:p>
@@ -1817,7 +1822,7 @@
           <a:p>
             <a:fld id="{48A87A34-81AB-432B-8DAE-1953F412C126}" type="datetimeFigureOut">
               <a:rPr lang="en-US" dirty="0"/>
-              <a:t>3/4/21</a:t>
+              <a:t>3/5/21</a:t>
             </a:fld>
             <a:endParaRPr lang="en-US" dirty="0"/>
           </a:p>
@@ -1961,7 +1966,7 @@
           <a:p>
             <a:fld id="{48A87A34-81AB-432B-8DAE-1953F412C126}" type="datetimeFigureOut">
               <a:rPr lang="en-US" dirty="0"/>
-              <a:t>3/4/21</a:t>
+              <a:t>3/5/21</a:t>
             </a:fld>
             <a:endParaRPr lang="en-US" dirty="0"/>
           </a:p>
@@ -2082,7 +2087,7 @@
           <a:p>
             <a:fld id="{48A87A34-81AB-432B-8DAE-1953F412C126}" type="datetimeFigureOut">
               <a:rPr lang="en-US" dirty="0"/>
-              <a:t>3/4/21</a:t>
+              <a:t>3/5/21</a:t>
             </a:fld>
             <a:endParaRPr lang="en-US" dirty="0"/>
           </a:p>
@@ -2328,7 +2333,7 @@
           <a:p>
             <a:fld id="{48A87A34-81AB-432B-8DAE-1953F412C126}" type="datetimeFigureOut">
               <a:rPr lang="en-US" dirty="0"/>
-              <a:t>3/4/21</a:t>
+              <a:t>3/5/21</a:t>
             </a:fld>
             <a:endParaRPr lang="en-US" dirty="0"/>
           </a:p>
@@ -2769,7 +2774,7 @@
             <a:fld id="{48A87A34-81AB-432B-8DAE-1953F412C126}" type="datetimeFigureOut">
               <a:rPr lang="en-US" dirty="0"/>
               <a:pPr/>
-              <a:t>3/4/21</a:t>
+              <a:t>3/5/21</a:t>
             </a:fld>
             <a:endParaRPr lang="en-US" dirty="0"/>
           </a:p>
@@ -3092,7 +3097,7 @@
             <a:fld id="{48A87A34-81AB-432B-8DAE-1953F412C126}" type="datetimeFigureOut">
               <a:rPr lang="en-US" dirty="0"/>
               <a:pPr/>
-              <a:t>3/4/21</a:t>
+              <a:t>3/5/21</a:t>
             </a:fld>
             <a:endParaRPr lang="en-US" dirty="0"/>
           </a:p>
@@ -4138,7 +4143,16 @@
             </a:r>
           </a:p>
           <a:p>
-            <a:endParaRPr lang="en-US" dirty="0"/>
+            <a:r>
+              <a:rPr lang="en-US" dirty="0"/>
+              <a:t>California is second with 39.</a:t>
+            </a:r>
+          </a:p>
+          <a:p>
+            <a:r>
+              <a:rPr lang="en-US" dirty="0"/>
+              <a:t>Michigan is third with 32.</a:t>
+            </a:r>
           </a:p>
         </p:txBody>
       </p:sp>
@@ -4466,39 +4480,6 @@
           </a:p>
         </p:txBody>
       </p:sp>
-      <p:sp>
-        <p:nvSpPr>
-          <p:cNvPr id="3" name="Content Placeholder 2">
-            <a:extLst>
-              <a:ext uri="{FF2B5EF4-FFF2-40B4-BE49-F238E27FC236}">
-                <a16:creationId xmlns:a16="http://schemas.microsoft.com/office/drawing/2014/main" id="{76CF9089-107C-1C41-B8A2-5FCF2282F3B7}"/>
-              </a:ext>
-            </a:extLst>
-          </p:cNvPr>
-          <p:cNvSpPr>
-            <a:spLocks noGrp="1"/>
-          </p:cNvSpPr>
-          <p:nvPr>
-            <p:ph sz="half" idx="1"/>
-          </p:nvPr>
-        </p:nvSpPr>
-        <p:spPr>
-          <a:xfrm>
-            <a:off x="438338" y="2020135"/>
-            <a:ext cx="4645152" cy="3448595"/>
-          </a:xfrm>
-        </p:spPr>
-        <p:txBody>
-          <a:bodyPr/>
-          <a:lstStyle/>
-          <a:p>
-            <a:r>
-              <a:rPr lang="en-US" dirty="0"/>
-              <a:t>M</a:t>
-            </a:r>
-          </a:p>
-        </p:txBody>
-      </p:sp>
       <p:pic>
         <p:nvPicPr>
           <p:cNvPr id="5" name="Picture 4">
@@ -4529,6 +4510,51 @@
           </a:prstGeom>
         </p:spPr>
       </p:pic>
+      <p:sp>
+        <p:nvSpPr>
+          <p:cNvPr id="6" name="Content Placeholder 2">
+            <a:extLst>
+              <a:ext uri="{FF2B5EF4-FFF2-40B4-BE49-F238E27FC236}">
+                <a16:creationId xmlns:a16="http://schemas.microsoft.com/office/drawing/2014/main" id="{3D931FEA-56A6-DC46-AC75-42DFEE27336F}"/>
+              </a:ext>
+            </a:extLst>
+          </p:cNvPr>
+          <p:cNvSpPr>
+            <a:spLocks noGrp="1"/>
+          </p:cNvSpPr>
+          <p:nvPr>
+            <p:ph sz="half" idx="1"/>
+          </p:nvPr>
+        </p:nvSpPr>
+        <p:spPr>
+          <a:xfrm>
+            <a:off x="438150" y="2020888"/>
+            <a:ext cx="4645025" cy="3448050"/>
+          </a:xfrm>
+        </p:spPr>
+        <p:txBody>
+          <a:bodyPr/>
+          <a:lstStyle/>
+          <a:p>
+            <a:r>
+              <a:rPr lang="en-US" dirty="0"/>
+              <a:t>We focused on the top ten states with the highest median international beer units.</a:t>
+            </a:r>
+          </a:p>
+          <a:p>
+            <a:r>
+              <a:rPr lang="en-US" dirty="0"/>
+              <a:t>The state with the highest median IBU is Florida with 55, followed by Delaware with 52 and District of Columbia with 47.5</a:t>
+            </a:r>
+          </a:p>
+          <a:p>
+            <a:endParaRPr lang="en-US" dirty="0"/>
+          </a:p>
+          <a:p>
+            <a:endParaRPr lang="en-US" dirty="0"/>
+          </a:p>
+        </p:txBody>
+      </p:sp>
     </p:spTree>
     <p:extLst>
       <p:ext uri="{BB962C8B-B14F-4D97-AF65-F5344CB8AC3E}">
@@ -4615,8 +4641,31 @@
           <a:p>
             <a:r>
               <a:rPr lang="en-US" dirty="0"/>
-              <a:t>M</a:t>
-            </a:r>
+              <a:t>Kentucky has the maximum alcohol beer with an ABV of </a:t>
+            </a:r>
+            <a:r>
+              <a:rPr lang="en-US" b="1" dirty="0"/>
+              <a:t>12.5%</a:t>
+            </a:r>
+            <a:r>
+              <a:rPr lang="en-US" dirty="0"/>
+              <a:t>.</a:t>
+            </a:r>
+          </a:p>
+          <a:p>
+            <a:r>
+              <a:rPr lang="en-US" dirty="0"/>
+              <a:t>Indiana is second with 12%.</a:t>
+            </a:r>
+          </a:p>
+          <a:p>
+            <a:r>
+              <a:rPr lang="en-US" dirty="0"/>
+              <a:t>New York is third with 10%</a:t>
+            </a:r>
+          </a:p>
+          <a:p>
+            <a:endParaRPr lang="en-US" dirty="0"/>
           </a:p>
         </p:txBody>
       </p:sp>
@@ -4736,8 +4785,28 @@
           <a:p>
             <a:r>
               <a:rPr lang="en-US" dirty="0"/>
-              <a:t>M</a:t>
-            </a:r>
+              <a:t>Oregon has the most bitter beer with an IBU of </a:t>
+            </a:r>
+            <a:r>
+              <a:rPr lang="en-US" b="1" dirty="0"/>
+              <a:t>138.</a:t>
+            </a:r>
+            <a:endParaRPr lang="en-US" dirty="0"/>
+          </a:p>
+          <a:p>
+            <a:r>
+              <a:rPr lang="en-US" dirty="0"/>
+              <a:t>Virginia has the second most bitter beer with an IBU of 135.</a:t>
+            </a:r>
+          </a:p>
+          <a:p>
+            <a:r>
+              <a:rPr lang="en-US" dirty="0"/>
+              <a:t>Massachusetts has the third most bitter beer with an IBU of 130.</a:t>
+            </a:r>
+          </a:p>
+          <a:p>
+            <a:endParaRPr lang="en-US" dirty="0"/>
           </a:p>
         </p:txBody>
       </p:sp>

--- a/CaseStudy1_Final_Presentation.pptx
+++ b/CaseStudy1_Final_Presentation.pptx
@@ -3747,8 +3747,8 @@
         </p:nvSpPr>
         <p:spPr>
           <a:xfrm>
-            <a:off x="50202" y="2015733"/>
-            <a:ext cx="8079696" cy="3450613"/>
+            <a:off x="211567" y="2209371"/>
+            <a:ext cx="6791661" cy="3450613"/>
           </a:xfrm>
         </p:spPr>
         <p:txBody>
@@ -3786,7 +3786,7 @@
           <a:p>
             <a:pPr marL="457200" indent="-457200">
               <a:buFont typeface="+mj-lt"/>
-              <a:buAutoNum type="arabicPeriod"/>
+              <a:buAutoNum type="arabicParenR"/>
             </a:pPr>
             <a:r>
               <a:rPr lang="en-US" dirty="0"/>
@@ -3796,7 +3796,7 @@
           <a:p>
             <a:pPr marL="457200" indent="-457200">
               <a:buFont typeface="+mj-lt"/>
-              <a:buAutoNum type="arabicPeriod"/>
+              <a:buAutoNum type="arabicParenR"/>
             </a:pPr>
             <a:r>
               <a:rPr lang="en-US" dirty="0"/>
@@ -3815,7 +3815,7 @@
           <a:p>
             <a:pPr marL="457200" indent="-457200">
               <a:buFont typeface="+mj-lt"/>
-              <a:buAutoNum type="arabicPeriod"/>
+              <a:buAutoNum type="arabicParenR"/>
             </a:pPr>
             <a:r>
               <a:rPr lang="en-US" dirty="0"/>
@@ -3825,7 +3825,7 @@
           <a:p>
             <a:pPr marL="457200" indent="-457200">
               <a:buFont typeface="+mj-lt"/>
-              <a:buAutoNum type="arabicPeriod"/>
+              <a:buAutoNum type="arabicParenR"/>
             </a:pPr>
             <a:r>
               <a:rPr lang="en-US" dirty="0"/>
@@ -3847,6 +3847,36 @@
           </a:p>
         </p:txBody>
       </p:sp>
+      <p:pic>
+        <p:nvPicPr>
+          <p:cNvPr id="5" name="Picture 4">
+            <a:extLst>
+              <a:ext uri="{FF2B5EF4-FFF2-40B4-BE49-F238E27FC236}">
+                <a16:creationId xmlns:a16="http://schemas.microsoft.com/office/drawing/2014/main" id="{20F49408-CCA5-BB49-85D1-EDCC5C161693}"/>
+              </a:ext>
+            </a:extLst>
+          </p:cNvPr>
+          <p:cNvPicPr>
+            <a:picLocks noChangeAspect="1"/>
+          </p:cNvPicPr>
+          <p:nvPr/>
+        </p:nvPicPr>
+        <p:blipFill>
+          <a:blip r:embed="rId2"/>
+          <a:stretch>
+            <a:fillRect/>
+          </a:stretch>
+        </p:blipFill>
+        <p:spPr>
+          <a:xfrm>
+            <a:off x="7039369" y="2134066"/>
+            <a:ext cx="4859317" cy="3450613"/>
+          </a:xfrm>
+          <a:prstGeom prst="rect">
+            <a:avLst/>
+          </a:prstGeom>
+        </p:spPr>
+      </p:pic>
     </p:spTree>
     <p:extLst>
       <p:ext uri="{BB962C8B-B14F-4D97-AF65-F5344CB8AC3E}">
@@ -4076,12 +4106,87 @@
           </a:p>
         </p:txBody>
       </p:sp>
+      <p:sp>
+        <p:nvSpPr>
+          <p:cNvPr id="17" name="Content Placeholder 16">
+            <a:extLst>
+              <a:ext uri="{FF2B5EF4-FFF2-40B4-BE49-F238E27FC236}">
+                <a16:creationId xmlns:a16="http://schemas.microsoft.com/office/drawing/2014/main" id="{1B6CF099-9AD2-8348-8628-8AE417C791FC}"/>
+              </a:ext>
+            </a:extLst>
+          </p:cNvPr>
+          <p:cNvSpPr>
+            <a:spLocks noGrp="1"/>
+          </p:cNvSpPr>
+          <p:nvPr>
+            <p:ph sz="half" idx="2"/>
+          </p:nvPr>
+        </p:nvSpPr>
+        <p:spPr>
+          <a:xfrm>
+            <a:off x="653238" y="2103009"/>
+            <a:ext cx="4645152" cy="3441520"/>
+          </a:xfrm>
+        </p:spPr>
+        <p:txBody>
+          <a:bodyPr/>
+          <a:lstStyle/>
+          <a:p>
+            <a:r>
+              <a:rPr lang="en-US" dirty="0"/>
+              <a:t>While calculating the breweries per state, it is more beneficial to show the top 10.</a:t>
+            </a:r>
+          </a:p>
+          <a:p>
+            <a:r>
+              <a:rPr lang="en-US" dirty="0"/>
+              <a:t>The state with the highest number of breweries is Colorado with </a:t>
+            </a:r>
+            <a:r>
+              <a:rPr lang="en-US" b="1" dirty="0"/>
+              <a:t>47</a:t>
+            </a:r>
+            <a:r>
+              <a:rPr lang="en-US" dirty="0"/>
+              <a:t>.</a:t>
+            </a:r>
+          </a:p>
+          <a:p>
+            <a:r>
+              <a:rPr lang="en-US" dirty="0"/>
+              <a:t>California is second with </a:t>
+            </a:r>
+            <a:r>
+              <a:rPr lang="en-US" b="1" dirty="0"/>
+              <a:t>39</a:t>
+            </a:r>
+            <a:r>
+              <a:rPr lang="en-US" dirty="0"/>
+              <a:t>.</a:t>
+            </a:r>
+          </a:p>
+          <a:p>
+            <a:r>
+              <a:rPr lang="en-US" dirty="0"/>
+              <a:t>Michigan is third with </a:t>
+            </a:r>
+            <a:r>
+              <a:rPr lang="en-US" b="1" dirty="0"/>
+              <a:t>32</a:t>
+            </a:r>
+            <a:r>
+              <a:rPr lang="en-US" dirty="0"/>
+              <a:t>.</a:t>
+            </a:r>
+          </a:p>
+        </p:txBody>
+      </p:sp>
       <p:pic>
         <p:nvPicPr>
-          <p:cNvPr id="14" name="Content Placeholder 13">
+          <p:cNvPr id="6" name="Content Placeholder 5">
             <a:extLst>
               <a:ext uri="{FF2B5EF4-FFF2-40B4-BE49-F238E27FC236}">
-                <a16:creationId xmlns:a16="http://schemas.microsoft.com/office/drawing/2014/main" id="{E01F07F4-36B8-F94F-ACC0-DD2D27B660E2}"/>
+                <a16:creationId xmlns:a16="http://schemas.microsoft.com/office/drawing/2014/main" id="{4C7A6C8C-2A5F-9E40-90B5-4D097AF0DBCF}"/>
               </a:ext>
             </a:extLst>
           </p:cNvPr>
@@ -4100,62 +4205,11 @@
         </p:blipFill>
         <p:spPr>
           <a:xfrm>
-            <a:off x="5232012" y="2006190"/>
-            <a:ext cx="6726299" cy="3819544"/>
+            <a:off x="5632524" y="2006190"/>
+            <a:ext cx="6000173" cy="3867485"/>
           </a:xfrm>
         </p:spPr>
       </p:pic>
-      <p:sp>
-        <p:nvSpPr>
-          <p:cNvPr id="17" name="Content Placeholder 16">
-            <a:extLst>
-              <a:ext uri="{FF2B5EF4-FFF2-40B4-BE49-F238E27FC236}">
-                <a16:creationId xmlns:a16="http://schemas.microsoft.com/office/drawing/2014/main" id="{1B6CF099-9AD2-8348-8628-8AE417C791FC}"/>
-              </a:ext>
-            </a:extLst>
-          </p:cNvPr>
-          <p:cNvSpPr>
-            <a:spLocks noGrp="1"/>
-          </p:cNvSpPr>
-          <p:nvPr>
-            <p:ph sz="half" idx="2"/>
-          </p:nvPr>
-        </p:nvSpPr>
-        <p:spPr>
-          <a:xfrm>
-            <a:off x="233689" y="2006190"/>
-            <a:ext cx="4645152" cy="3441520"/>
-          </a:xfrm>
-        </p:spPr>
-        <p:txBody>
-          <a:bodyPr/>
-          <a:lstStyle/>
-          <a:p>
-            <a:r>
-              <a:rPr lang="en-US" dirty="0"/>
-              <a:t>While calculating the breweries per state, it is more beneficial to show the top 10.</a:t>
-            </a:r>
-          </a:p>
-          <a:p>
-            <a:r>
-              <a:rPr lang="en-US" dirty="0"/>
-              <a:t>The state with the highest number of breweries is Colorado with 47.</a:t>
-            </a:r>
-          </a:p>
-          <a:p>
-            <a:r>
-              <a:rPr lang="en-US" dirty="0"/>
-              <a:t>California is second with 39.</a:t>
-            </a:r>
-          </a:p>
-          <a:p>
-            <a:r>
-              <a:rPr lang="en-US" dirty="0"/>
-              <a:t>Michigan is third with 32.</a:t>
-            </a:r>
-          </a:p>
-        </p:txBody>
-      </p:sp>
     </p:spTree>
     <p:extLst>
       <p:ext uri="{BB962C8B-B14F-4D97-AF65-F5344CB8AC3E}">
@@ -4232,7 +4286,7 @@
         </p:nvSpPr>
         <p:spPr>
           <a:xfrm>
-            <a:off x="385786" y="2010878"/>
+            <a:off x="859122" y="2130936"/>
             <a:ext cx="4645152" cy="3448595"/>
           </a:xfrm>
         </p:spPr>
@@ -4248,7 +4302,23 @@
           <a:p>
             <a:r>
               <a:rPr lang="en-US" dirty="0"/>
-              <a:t>There are 1005 missing values in the `IBU` column and 25 missing values in the `ABV` column.</a:t>
+              <a:t>There are </a:t>
+            </a:r>
+            <a:r>
+              <a:rPr lang="en-US" b="1" dirty="0"/>
+              <a:t>1005</a:t>
+            </a:r>
+            <a:r>
+              <a:rPr lang="en-US" dirty="0"/>
+              <a:t> missing values in the `IBU` column and </a:t>
+            </a:r>
+            <a:r>
+              <a:rPr lang="en-US" b="1" dirty="0"/>
+              <a:t>25</a:t>
+            </a:r>
+            <a:r>
+              <a:rPr lang="en-US" dirty="0"/>
+              <a:t> missing values in the `ABV` column.</a:t>
             </a:r>
           </a:p>
           <a:p>
@@ -4368,7 +4438,7 @@
         </p:nvSpPr>
         <p:spPr>
           <a:xfrm>
-            <a:off x="438338" y="2020135"/>
+            <a:off x="535157" y="2182226"/>
             <a:ext cx="4645152" cy="3448595"/>
           </a:xfrm>
         </p:spPr>
@@ -4385,6 +4455,12 @@
             <a:r>
               <a:rPr lang="en-US" dirty="0"/>
               <a:t>The state with the highest median ABV is Colorado with 6.5%, followed by Florida with 6.2% and Connecticut with 6.1%. </a:t>
+            </a:r>
+          </a:p>
+          <a:p>
+            <a:r>
+              <a:rPr lang="en-US" dirty="0"/>
+              <a:t>If we plan on making beer with high alcohol content with should sell to these states.</a:t>
             </a:r>
           </a:p>
           <a:p>
@@ -4655,13 +4731,29 @@
           <a:p>
             <a:r>
               <a:rPr lang="en-US" dirty="0"/>
-              <a:t>Indiana is second with 12%.</a:t>
-            </a:r>
-          </a:p>
-          <a:p>
-            <a:r>
-              <a:rPr lang="en-US" dirty="0"/>
-              <a:t>New York is third with 10%</a:t>
+              <a:t>Indiana is second with </a:t>
+            </a:r>
+            <a:r>
+              <a:rPr lang="en-US" b="1" dirty="0"/>
+              <a:t>12%</a:t>
+            </a:r>
+            <a:r>
+              <a:rPr lang="en-US" dirty="0"/>
+              <a:t>.</a:t>
+            </a:r>
+          </a:p>
+          <a:p>
+            <a:r>
+              <a:rPr lang="en-US" dirty="0"/>
+              <a:t>New York is third with </a:t>
+            </a:r>
+            <a:r>
+              <a:rPr lang="en-US" b="1" dirty="0"/>
+              <a:t>10%</a:t>
+            </a:r>
+            <a:r>
+              <a:rPr lang="en-US" dirty="0"/>
+              <a:t>.</a:t>
             </a:r>
           </a:p>
           <a:p>
@@ -4775,12 +4867,14 @@
         </p:nvSpPr>
         <p:spPr>
           <a:xfrm>
-            <a:off x="438338" y="2020135"/>
+            <a:off x="448386" y="2412020"/>
             <a:ext cx="4645152" cy="3448595"/>
           </a:xfrm>
         </p:spPr>
         <p:txBody>
-          <a:bodyPr/>
+          <a:bodyPr>
+            <a:normAutofit/>
+          </a:bodyPr>
           <a:lstStyle/>
           <a:p>
             <a:r>
@@ -4796,13 +4890,29 @@
           <a:p>
             <a:r>
               <a:rPr lang="en-US" dirty="0"/>
-              <a:t>Virginia has the second most bitter beer with an IBU of 135.</a:t>
-            </a:r>
-          </a:p>
-          <a:p>
-            <a:r>
-              <a:rPr lang="en-US" dirty="0"/>
-              <a:t>Massachusetts has the third most bitter beer with an IBU of 130.</a:t>
+              <a:t>Virginia has the second most bitter beer with an IBU of </a:t>
+            </a:r>
+            <a:r>
+              <a:rPr lang="en-US" b="1" dirty="0"/>
+              <a:t>135</a:t>
+            </a:r>
+            <a:r>
+              <a:rPr lang="en-US" dirty="0"/>
+              <a:t>.</a:t>
+            </a:r>
+          </a:p>
+          <a:p>
+            <a:r>
+              <a:rPr lang="en-US" dirty="0"/>
+              <a:t>Massachusetts has the third most bitter beer with an IBU of </a:t>
+            </a:r>
+            <a:r>
+              <a:rPr lang="en-US" b="1" dirty="0"/>
+              <a:t>130</a:t>
+            </a:r>
+            <a:r>
+              <a:rPr lang="en-US" dirty="0"/>
+              <a:t>.</a:t>
             </a:r>
           </a:p>
           <a:p>
@@ -4888,16 +4998,18 @@
         </p:nvSpPr>
         <p:spPr>
           <a:xfrm>
-            <a:off x="1042988" y="269383"/>
-            <a:ext cx="10539412" cy="1058862"/>
-          </a:xfrm>
-        </p:spPr>
-        <p:txBody>
-          <a:bodyPr/>
-          <a:lstStyle/>
-          <a:p>
-            <a:r>
-              <a:rPr lang="en-US" dirty="0"/>
+            <a:off x="319507" y="190739"/>
+            <a:ext cx="11366726" cy="1058862"/>
+          </a:xfrm>
+        </p:spPr>
+        <p:txBody>
+          <a:bodyPr>
+            <a:normAutofit/>
+          </a:bodyPr>
+          <a:lstStyle/>
+          <a:p>
+            <a:r>
+              <a:rPr lang="en-US" sz="2800" b="1" dirty="0"/>
               <a:t>Summary statistics and Distribution of the ABV</a:t>
             </a:r>
           </a:p>
@@ -4927,7 +5039,7 @@
         </p:blipFill>
         <p:spPr>
           <a:xfrm>
-            <a:off x="6937375" y="798814"/>
+            <a:off x="6856988" y="3752611"/>
             <a:ext cx="4645025" cy="2914650"/>
           </a:xfrm>
         </p:spPr>
@@ -4954,7 +5066,7 @@
         </p:blipFill>
         <p:spPr>
           <a:xfrm>
-            <a:off x="7634004" y="3832006"/>
+            <a:off x="7553617" y="720170"/>
             <a:ext cx="3251766" cy="2914650"/>
           </a:xfrm>
           <a:prstGeom prst="rect">
@@ -4978,7 +5090,7 @@
         </p:nvSpPr>
         <p:spPr>
           <a:xfrm>
-            <a:off x="609600" y="1453830"/>
+            <a:off x="445477" y="1450369"/>
             <a:ext cx="5234152" cy="4368901"/>
           </a:xfrm>
           <a:prstGeom prst="rect">
@@ -5198,10 +5310,27 @@
           </a:lstStyle>
           <a:p>
             <a:r>
-              <a:rPr lang="en-US"/>
-              <a:t>B</a:t>
-            </a:r>
-            <a:endParaRPr lang="en-US" dirty="0"/>
+              <a:rPr lang="en-US" sz="2200" dirty="0"/>
+              <a:t>The distribution of ABV appears to be right-skewed.</a:t>
+            </a:r>
+          </a:p>
+          <a:p>
+            <a:r>
+              <a:rPr lang="en-US" sz="2200" dirty="0"/>
+              <a:t>The maximum is 12.5% ABV, while the minimum is 2.5%  ABV</a:t>
+            </a:r>
+          </a:p>
+          <a:p>
+            <a:r>
+              <a:rPr lang="en-US" sz="2200" dirty="0"/>
+              <a:t>It appears the most common ABV is about 5%.</a:t>
+            </a:r>
+          </a:p>
+          <a:p>
+            <a:r>
+              <a:rPr lang="en-US" sz="2200" dirty="0"/>
+              <a:t>There are some outliers that are contributing to the right skewness of ABV.</a:t>
+            </a:r>
           </a:p>
         </p:txBody>
       </p:sp>
@@ -5258,7 +5387,7 @@
           <a:p>
             <a:r>
               <a:rPr lang="en-US" dirty="0"/>
-              <a:t>Relationship between ABV and UBU</a:t>
+              <a:t>Relationship between ABV and IBU</a:t>
             </a:r>
           </a:p>
         </p:txBody>
@@ -5315,12 +5444,26 @@
           </a:xfrm>
         </p:spPr>
         <p:txBody>
-          <a:bodyPr/>
-          <a:lstStyle/>
-          <a:p>
-            <a:r>
-              <a:rPr lang="en-US" dirty="0"/>
-              <a:t>B</a:t>
+          <a:bodyPr>
+            <a:normAutofit fontScale="85000" lnSpcReduction="10000"/>
+          </a:bodyPr>
+          <a:lstStyle/>
+          <a:p>
+            <a:r>
+              <a:rPr lang="en-US" dirty="0"/>
+              <a:t>The scatterplot to the right shows the relationship between IBA and ABV.  </a:t>
+            </a:r>
+          </a:p>
+          <a:p>
+            <a:r>
+              <a:rPr lang="en-US" dirty="0"/>
+              <a:t>Just looking at the plot there is evidence of a positive relationship between ABV and IBU.  Meaning if you have a beer with higher IBU it is likely to have a higher ABV (and vice-versa).</a:t>
+            </a:r>
+          </a:p>
+          <a:p>
+            <a:r>
+              <a:rPr lang="en-US" dirty="0"/>
+              <a:t>Additionally, we plotted the linear regression line to prove even further of the positive relationship (slope of line is positive).</a:t>
             </a:r>
           </a:p>
         </p:txBody>

--- a/CaseStudy1_Final_Presentation.pptx
+++ b/CaseStudy1_Final_Presentation.pptx
@@ -14,9 +14,10 @@
     <p:sldId id="263" r:id="rId8"/>
     <p:sldId id="264" r:id="rId9"/>
     <p:sldId id="265" r:id="rId10"/>
-    <p:sldId id="267" r:id="rId11"/>
-    <p:sldId id="268" r:id="rId12"/>
-    <p:sldId id="266" r:id="rId13"/>
+    <p:sldId id="271" r:id="rId11"/>
+    <p:sldId id="269" r:id="rId12"/>
+    <p:sldId id="270" r:id="rId13"/>
+    <p:sldId id="266" r:id="rId14"/>
   </p:sldIdLst>
   <p:sldSz cx="12192000" cy="6858000"/>
   <p:notesSz cx="6858000" cy="9144000"/>
@@ -3747,13 +3748,13 @@
         </p:nvSpPr>
         <p:spPr>
           <a:xfrm>
-            <a:off x="211567" y="2209371"/>
-            <a:ext cx="6791661" cy="3450613"/>
+            <a:off x="68226" y="2015732"/>
+            <a:ext cx="6027774" cy="3730727"/>
           </a:xfrm>
         </p:spPr>
         <p:txBody>
           <a:bodyPr>
-            <a:normAutofit fontScale="70000" lnSpcReduction="20000"/>
+            <a:normAutofit fontScale="55000" lnSpcReduction="20000"/>
           </a:bodyPr>
           <a:lstStyle/>
           <a:p>
@@ -3786,7 +3787,7 @@
           <a:p>
             <a:pPr marL="457200" indent="-457200">
               <a:buFont typeface="+mj-lt"/>
-              <a:buAutoNum type="arabicParenR"/>
+              <a:buAutoNum type="arabicPeriod"/>
             </a:pPr>
             <a:r>
               <a:rPr lang="en-US" dirty="0"/>
@@ -3796,7 +3797,7 @@
           <a:p>
             <a:pPr marL="457200" indent="-457200">
               <a:buFont typeface="+mj-lt"/>
-              <a:buAutoNum type="arabicParenR"/>
+              <a:buAutoNum type="arabicPeriod"/>
             </a:pPr>
             <a:r>
               <a:rPr lang="en-US" dirty="0"/>
@@ -3815,7 +3816,7 @@
           <a:p>
             <a:pPr marL="457200" indent="-457200">
               <a:buFont typeface="+mj-lt"/>
-              <a:buAutoNum type="arabicParenR"/>
+              <a:buAutoNum type="arabicPeriod"/>
             </a:pPr>
             <a:r>
               <a:rPr lang="en-US" dirty="0"/>
@@ -3825,7 +3826,7 @@
           <a:p>
             <a:pPr marL="457200" indent="-457200">
               <a:buFont typeface="+mj-lt"/>
-              <a:buAutoNum type="arabicParenR"/>
+              <a:buAutoNum type="arabicPeriod"/>
             </a:pPr>
             <a:r>
               <a:rPr lang="en-US" dirty="0"/>
@@ -3840,6 +3841,42 @@
             <a:pPr marL="0" indent="0" algn="ctr">
               <a:buNone/>
             </a:pPr>
+            <a:r>
+              <a:rPr lang="en-US" b="1" u="sng" dirty="0"/>
+              <a:t>Takeaways</a:t>
+            </a:r>
+          </a:p>
+          <a:p>
+            <a:pPr marL="457200" indent="-457200">
+              <a:buFont typeface="+mj-lt"/>
+              <a:buAutoNum type="arabicPeriod"/>
+            </a:pPr>
+            <a:r>
+              <a:rPr lang="en-US" dirty="0"/>
+              <a:t>The graph on the right plots the predictions based on ABV and IBU.  </a:t>
+            </a:r>
+          </a:p>
+          <a:p>
+            <a:pPr marL="457200" indent="-457200">
+              <a:buFont typeface="+mj-lt"/>
+              <a:buAutoNum type="arabicPeriod"/>
+            </a:pPr>
+            <a:r>
+              <a:rPr lang="en-US" dirty="0"/>
+              <a:t>While both predictors appear to influence IPA vs Other Ale, visually we can see that IBU has a slightly stronger effect.  </a:t>
+            </a:r>
+          </a:p>
+          <a:p>
+            <a:pPr marL="457200" indent="-457200">
+              <a:buFont typeface="+mj-lt"/>
+              <a:buAutoNum type="arabicPeriod"/>
+            </a:pPr>
+            <a:endParaRPr lang="en-US" b="1" dirty="0"/>
+          </a:p>
+          <a:p>
+            <a:pPr marL="0" indent="0" algn="ctr">
+              <a:buNone/>
+            </a:pPr>
             <a:endParaRPr lang="en-US" dirty="0"/>
           </a:p>
           <a:p>
@@ -3849,10 +3886,10 @@
       </p:sp>
       <p:pic>
         <p:nvPicPr>
-          <p:cNvPr id="5" name="Picture 4">
+          <p:cNvPr id="6" name="Picture 5">
             <a:extLst>
               <a:ext uri="{FF2B5EF4-FFF2-40B4-BE49-F238E27FC236}">
-                <a16:creationId xmlns:a16="http://schemas.microsoft.com/office/drawing/2014/main" id="{20F49408-CCA5-BB49-85D1-EDCC5C161693}"/>
+                <a16:creationId xmlns:a16="http://schemas.microsoft.com/office/drawing/2014/main" id="{F03B33F1-0175-4945-9161-BB87EFDA54FF}"/>
               </a:ext>
             </a:extLst>
           </p:cNvPr>
@@ -3869,7 +3906,7 @@
         </p:blipFill>
         <p:spPr>
           <a:xfrm>
-            <a:off x="7039369" y="2134066"/>
+            <a:off x="6719880" y="2155788"/>
             <a:ext cx="4859317" cy="3450613"/>
           </a:xfrm>
           <a:prstGeom prst="rect">
@@ -3880,7 +3917,7 @@
     </p:spTree>
     <p:extLst>
       <p:ext uri="{BB962C8B-B14F-4D97-AF65-F5344CB8AC3E}">
-        <p14:creationId xmlns:p14="http://schemas.microsoft.com/office/powerpoint/2010/main" val="164745031"/>
+        <p14:creationId xmlns:p14="http://schemas.microsoft.com/office/powerpoint/2010/main" val="396363434"/>
       </p:ext>
     </p:extLst>
   </p:cSld>
@@ -3930,42 +3967,46 @@
           <a:p>
             <a:r>
               <a:rPr lang="en-US" dirty="0"/>
-              <a:t>Using KNN to Predict Which Region our beer Comes from</a:t>
-            </a:r>
-          </a:p>
-        </p:txBody>
-      </p:sp>
-      <p:sp>
-        <p:nvSpPr>
-          <p:cNvPr id="3" name="Content Placeholder 2">
+              <a:t>Explore the Relationship between ABV/IBU and Region of the Beer</a:t>
+            </a:r>
+          </a:p>
+        </p:txBody>
+      </p:sp>
+      <p:pic>
+        <p:nvPicPr>
+          <p:cNvPr id="9" name="Content Placeholder 8">
             <a:extLst>
               <a:ext uri="{FF2B5EF4-FFF2-40B4-BE49-F238E27FC236}">
-                <a16:creationId xmlns:a16="http://schemas.microsoft.com/office/drawing/2014/main" id="{0EE7583D-4574-BB4E-90A7-CD189DEAE5F1}"/>
+                <a16:creationId xmlns:a16="http://schemas.microsoft.com/office/drawing/2014/main" id="{F6B56018-4B98-412C-9FEF-B92D4210C988}"/>
               </a:ext>
             </a:extLst>
           </p:cNvPr>
-          <p:cNvSpPr>
-            <a:spLocks noGrp="1"/>
-          </p:cNvSpPr>
-          <p:nvPr>
-            <p:ph sz="half" idx="1"/>
-          </p:nvPr>
-        </p:nvSpPr>
-        <p:spPr/>
-        <p:txBody>
-          <a:bodyPr/>
-          <a:lstStyle/>
-          <a:p>
-            <a:endParaRPr lang="en-US" dirty="0"/>
-          </a:p>
-        </p:txBody>
-      </p:sp>
-      <p:sp>
-        <p:nvSpPr>
-          <p:cNvPr id="4" name="Content Placeholder 3">
+          <p:cNvPicPr>
+            <a:picLocks noGrp="1" noChangeAspect="1"/>
+          </p:cNvPicPr>
+          <p:nvPr>
+            <p:ph sz="half" idx="2"/>
+          </p:nvPr>
+        </p:nvPicPr>
+        <p:blipFill>
+          <a:blip r:embed="rId2"/>
+          <a:stretch>
+            <a:fillRect/>
+          </a:stretch>
+        </p:blipFill>
+        <p:spPr>
+          <a:xfrm>
+            <a:off x="7076162" y="4267993"/>
+            <a:ext cx="4707229" cy="2320094"/>
+          </a:xfrm>
+        </p:spPr>
+      </p:pic>
+      <p:sp>
+        <p:nvSpPr>
+          <p:cNvPr id="7" name="Content Placeholder 6">
             <a:extLst>
               <a:ext uri="{FF2B5EF4-FFF2-40B4-BE49-F238E27FC236}">
-                <a16:creationId xmlns:a16="http://schemas.microsoft.com/office/drawing/2014/main" id="{D3C1A95F-2A53-7A44-9321-941E8A290E1E}"/>
+                <a16:creationId xmlns:a16="http://schemas.microsoft.com/office/drawing/2014/main" id="{CA700638-C683-4575-B7E0-DE7CC0F8B5E4}"/>
               </a:ext>
             </a:extLst>
           </p:cNvPr>
@@ -3973,22 +4014,97 @@
             <a:spLocks noGrp="1"/>
           </p:cNvSpPr>
           <p:nvPr>
-            <p:ph sz="half" idx="2"/>
-          </p:nvPr>
-        </p:nvSpPr>
-        <p:spPr/>
-        <p:txBody>
-          <a:bodyPr/>
-          <a:lstStyle/>
-          <a:p>
-            <a:endParaRPr lang="en-US"/>
-          </a:p>
-        </p:txBody>
-      </p:sp>
+            <p:ph sz="half" idx="1"/>
+          </p:nvPr>
+        </p:nvSpPr>
+        <p:spPr>
+          <a:xfrm>
+            <a:off x="113100" y="2010877"/>
+            <a:ext cx="6695324" cy="4042233"/>
+          </a:xfrm>
+        </p:spPr>
+        <p:txBody>
+          <a:bodyPr>
+            <a:normAutofit/>
+          </a:bodyPr>
+          <a:lstStyle/>
+          <a:p>
+            <a:r>
+              <a:rPr lang="en-US" sz="1800" dirty="0"/>
+              <a:t>This is an important question to answer as it will enable sales/operations to scale based on region </a:t>
+            </a:r>
+          </a:p>
+          <a:p>
+            <a:r>
+              <a:rPr lang="en-US" sz="1800" dirty="0"/>
+              <a:t>If we know the approximate components of a beer in specific regions, it will help understand what that region expects in a beer.</a:t>
+            </a:r>
+          </a:p>
+          <a:p>
+            <a:r>
+              <a:rPr lang="en-US" sz="1800" dirty="0"/>
+              <a:t>On the right there is the histogram of both ABV and IBU by region.  </a:t>
+            </a:r>
+          </a:p>
+          <a:p>
+            <a:pPr lvl="1"/>
+            <a:r>
+              <a:rPr lang="en-US" sz="1200" dirty="0"/>
+              <a:t>ABV appears to follow a somewhat normal distribution among regions with the most common being around .06</a:t>
+            </a:r>
+          </a:p>
+          <a:p>
+            <a:pPr lvl="1"/>
+            <a:r>
+              <a:rPr lang="en-US" sz="1200" dirty="0"/>
+              <a:t>IBU appears to follow a right skewed distribution among regions with the most common being around 20.  </a:t>
+            </a:r>
+          </a:p>
+          <a:p>
+            <a:r>
+              <a:rPr lang="en-US" sz="1800" dirty="0"/>
+              <a:t>To conclude, just looking at the distributions of ABV and IBU, components of a beer don’t appear to differ based on region.  </a:t>
+            </a:r>
+          </a:p>
+          <a:p>
+            <a:endParaRPr lang="en-US" sz="1800" dirty="0"/>
+          </a:p>
+        </p:txBody>
+      </p:sp>
+      <p:pic>
+        <p:nvPicPr>
+          <p:cNvPr id="11" name="Picture 10">
+            <a:extLst>
+              <a:ext uri="{FF2B5EF4-FFF2-40B4-BE49-F238E27FC236}">
+                <a16:creationId xmlns:a16="http://schemas.microsoft.com/office/drawing/2014/main" id="{552ECB6E-A0FD-47AD-BB9F-FA8266826505}"/>
+              </a:ext>
+            </a:extLst>
+          </p:cNvPr>
+          <p:cNvPicPr>
+            <a:picLocks noChangeAspect="1"/>
+          </p:cNvPicPr>
+          <p:nvPr/>
+        </p:nvPicPr>
+        <p:blipFill>
+          <a:blip r:embed="rId3"/>
+          <a:stretch>
+            <a:fillRect/>
+          </a:stretch>
+        </p:blipFill>
+        <p:spPr>
+          <a:xfrm>
+            <a:off x="7097783" y="1958881"/>
+            <a:ext cx="4678700" cy="2309112"/>
+          </a:xfrm>
+          <a:prstGeom prst="rect">
+            <a:avLst/>
+          </a:prstGeom>
+        </p:spPr>
+      </p:pic>
     </p:spTree>
     <p:extLst>
       <p:ext uri="{BB962C8B-B14F-4D97-AF65-F5344CB8AC3E}">
-        <p14:creationId xmlns:p14="http://schemas.microsoft.com/office/powerpoint/2010/main" val="3707318311"/>
+        <p14:creationId xmlns:p14="http://schemas.microsoft.com/office/powerpoint/2010/main" val="2546244380"/>
       </p:ext>
     </p:extLst>
   </p:cSld>
@@ -3999,6 +4115,472 @@
 </file>
 
 <file path=ppt/slides/slide12.xml><?xml version="1.0" encoding="utf-8"?>
+<p:sld xmlns:a="http://schemas.openxmlformats.org/drawingml/2006/main" xmlns:r="http://schemas.openxmlformats.org/officeDocument/2006/relationships" xmlns:p="http://schemas.openxmlformats.org/presentationml/2006/main">
+  <p:cSld>
+    <p:spTree>
+      <p:nvGrpSpPr>
+        <p:cNvPr id="1" name=""/>
+        <p:cNvGrpSpPr/>
+        <p:nvPr/>
+      </p:nvGrpSpPr>
+      <p:grpSpPr>
+        <a:xfrm>
+          <a:off x="0" y="0"/>
+          <a:ext cx="0" cy="0"/>
+          <a:chOff x="0" y="0"/>
+          <a:chExt cx="0" cy="0"/>
+        </a:xfrm>
+      </p:grpSpPr>
+      <p:sp>
+        <p:nvSpPr>
+          <p:cNvPr id="2" name="Title 1">
+            <a:extLst>
+              <a:ext uri="{FF2B5EF4-FFF2-40B4-BE49-F238E27FC236}">
+                <a16:creationId xmlns:a16="http://schemas.microsoft.com/office/drawing/2014/main" id="{09EEB2ED-D62E-43FA-A558-905656AC57FF}"/>
+              </a:ext>
+            </a:extLst>
+          </p:cNvPr>
+          <p:cNvSpPr>
+            <a:spLocks noGrp="1"/>
+          </p:cNvSpPr>
+          <p:nvPr>
+            <p:ph type="title"/>
+          </p:nvPr>
+        </p:nvSpPr>
+        <p:spPr/>
+        <p:txBody>
+          <a:bodyPr/>
+          <a:lstStyle/>
+          <a:p>
+            <a:r>
+              <a:rPr lang="en-US" dirty="0"/>
+              <a:t>Understanding the Region: Prediction Region with KNN</a:t>
+            </a:r>
+          </a:p>
+        </p:txBody>
+      </p:sp>
+      <p:pic>
+        <p:nvPicPr>
+          <p:cNvPr id="7" name="Content Placeholder 6">
+            <a:extLst>
+              <a:ext uri="{FF2B5EF4-FFF2-40B4-BE49-F238E27FC236}">
+                <a16:creationId xmlns:a16="http://schemas.microsoft.com/office/drawing/2014/main" id="{3FC93818-6BEB-4244-9085-F687F134DF8D}"/>
+              </a:ext>
+            </a:extLst>
+          </p:cNvPr>
+          <p:cNvPicPr>
+            <a:picLocks noGrp="1" noChangeAspect="1"/>
+          </p:cNvPicPr>
+          <p:nvPr>
+            <p:ph sz="half" idx="2"/>
+          </p:nvPr>
+        </p:nvPicPr>
+        <p:blipFill>
+          <a:blip r:embed="rId2"/>
+          <a:stretch>
+            <a:fillRect/>
+          </a:stretch>
+        </p:blipFill>
+        <p:spPr>
+          <a:xfrm>
+            <a:off x="6413499" y="2451715"/>
+            <a:ext cx="5561697" cy="2761125"/>
+          </a:xfrm>
+        </p:spPr>
+      </p:pic>
+      <p:sp>
+        <p:nvSpPr>
+          <p:cNvPr id="5" name="Content Placeholder 2">
+            <a:extLst>
+              <a:ext uri="{FF2B5EF4-FFF2-40B4-BE49-F238E27FC236}">
+                <a16:creationId xmlns:a16="http://schemas.microsoft.com/office/drawing/2014/main" id="{5AA8073D-01CB-44D1-9F57-BE2C89B2856A}"/>
+              </a:ext>
+            </a:extLst>
+          </p:cNvPr>
+          <p:cNvSpPr txBox="1">
+            <a:spLocks/>
+          </p:cNvSpPr>
+          <p:nvPr/>
+        </p:nvSpPr>
+        <p:spPr>
+          <a:xfrm>
+            <a:off x="68226" y="1931842"/>
+            <a:ext cx="6027774" cy="4041119"/>
+          </a:xfrm>
+          <a:prstGeom prst="rect">
+            <a:avLst/>
+          </a:prstGeom>
+        </p:spPr>
+        <p:txBody>
+          <a:bodyPr vert="horz" lIns="91440" tIns="45720" rIns="91440" bIns="45720" rtlCol="0">
+            <a:normAutofit fontScale="47500" lnSpcReduction="20000"/>
+          </a:bodyPr>
+          <a:lstStyle>
+            <a:lvl1pPr marL="228600" indent="-228600" algn="l" defTabSz="914400" rtl="0" eaLnBrk="1" latinLnBrk="0" hangingPunct="1">
+              <a:lnSpc>
+                <a:spcPct val="120000"/>
+              </a:lnSpc>
+              <a:spcBef>
+                <a:spcPts val="1000"/>
+              </a:spcBef>
+              <a:buClr>
+                <a:schemeClr val="accent1"/>
+              </a:buClr>
+              <a:buSzPct val="100000"/>
+              <a:buFont typeface="Arial" panose="020B0604020202020204" pitchFamily="34" charset="0"/>
+              <a:buChar char="•"/>
+              <a:defRPr sz="2000" kern="1200">
+                <a:solidFill>
+                  <a:schemeClr val="tx1"/>
+                </a:solidFill>
+                <a:effectLst/>
+                <a:latin typeface="+mn-lt"/>
+                <a:ea typeface="+mn-ea"/>
+                <a:cs typeface="+mn-cs"/>
+              </a:defRPr>
+            </a:lvl1pPr>
+            <a:lvl2pPr marL="685800" indent="-228600" algn="l" defTabSz="914400" rtl="0" eaLnBrk="1" latinLnBrk="0" hangingPunct="1">
+              <a:lnSpc>
+                <a:spcPct val="120000"/>
+              </a:lnSpc>
+              <a:spcBef>
+                <a:spcPts val="500"/>
+              </a:spcBef>
+              <a:buClr>
+                <a:schemeClr val="accent1"/>
+              </a:buClr>
+              <a:buSzPct val="100000"/>
+              <a:buFont typeface="Arial" panose="020B0604020202020204" pitchFamily="34" charset="0"/>
+              <a:buChar char="•"/>
+              <a:defRPr sz="1800" kern="1200" cap="none" baseline="0">
+                <a:solidFill>
+                  <a:schemeClr val="tx1"/>
+                </a:solidFill>
+                <a:effectLst/>
+                <a:latin typeface="+mn-lt"/>
+                <a:ea typeface="+mn-ea"/>
+                <a:cs typeface="+mn-cs"/>
+              </a:defRPr>
+            </a:lvl2pPr>
+            <a:lvl3pPr marL="1143000" indent="-228600" algn="l" defTabSz="914400" rtl="0" eaLnBrk="1" latinLnBrk="0" hangingPunct="1">
+              <a:lnSpc>
+                <a:spcPct val="120000"/>
+              </a:lnSpc>
+              <a:spcBef>
+                <a:spcPts val="500"/>
+              </a:spcBef>
+              <a:buClr>
+                <a:schemeClr val="accent1"/>
+              </a:buClr>
+              <a:buSzPct val="100000"/>
+              <a:buFont typeface="Arial" panose="020B0604020202020204" pitchFamily="34" charset="0"/>
+              <a:buChar char="•"/>
+              <a:defRPr sz="1600" kern="1200">
+                <a:solidFill>
+                  <a:schemeClr val="tx1"/>
+                </a:solidFill>
+                <a:effectLst/>
+                <a:latin typeface="+mn-lt"/>
+                <a:ea typeface="+mn-ea"/>
+                <a:cs typeface="+mn-cs"/>
+              </a:defRPr>
+            </a:lvl3pPr>
+            <a:lvl4pPr marL="1600200" indent="-228600" algn="l" defTabSz="914400" rtl="0" eaLnBrk="1" latinLnBrk="0" hangingPunct="1">
+              <a:lnSpc>
+                <a:spcPct val="120000"/>
+              </a:lnSpc>
+              <a:spcBef>
+                <a:spcPts val="500"/>
+              </a:spcBef>
+              <a:buClr>
+                <a:schemeClr val="accent1"/>
+              </a:buClr>
+              <a:buSzPct val="100000"/>
+              <a:buFont typeface="Arial" panose="020B0604020202020204" pitchFamily="34" charset="0"/>
+              <a:buChar char="•"/>
+              <a:defRPr sz="1400" kern="1200" cap="none" baseline="0">
+                <a:solidFill>
+                  <a:schemeClr val="tx1"/>
+                </a:solidFill>
+                <a:effectLst/>
+                <a:latin typeface="+mn-lt"/>
+                <a:ea typeface="+mn-ea"/>
+                <a:cs typeface="+mn-cs"/>
+              </a:defRPr>
+            </a:lvl4pPr>
+            <a:lvl5pPr marL="2057400" indent="-228600" algn="l" defTabSz="914400" rtl="0" eaLnBrk="1" latinLnBrk="0" hangingPunct="1">
+              <a:lnSpc>
+                <a:spcPct val="120000"/>
+              </a:lnSpc>
+              <a:spcBef>
+                <a:spcPts val="500"/>
+              </a:spcBef>
+              <a:buClr>
+                <a:schemeClr val="accent1"/>
+              </a:buClr>
+              <a:buSzPct val="100000"/>
+              <a:buFont typeface="Arial" panose="020B0604020202020204" pitchFamily="34" charset="0"/>
+              <a:buChar char="•"/>
+              <a:defRPr sz="1200" kern="1200">
+                <a:solidFill>
+                  <a:schemeClr val="tx1"/>
+                </a:solidFill>
+                <a:effectLst/>
+                <a:latin typeface="+mn-lt"/>
+                <a:ea typeface="+mn-ea"/>
+                <a:cs typeface="+mn-cs"/>
+              </a:defRPr>
+            </a:lvl5pPr>
+            <a:lvl6pPr marL="2514600" indent="-228600" algn="l" defTabSz="914400" rtl="0" eaLnBrk="1" latinLnBrk="0" hangingPunct="1">
+              <a:lnSpc>
+                <a:spcPct val="120000"/>
+              </a:lnSpc>
+              <a:spcBef>
+                <a:spcPts val="500"/>
+              </a:spcBef>
+              <a:buClr>
+                <a:schemeClr val="accent1"/>
+              </a:buClr>
+              <a:buSzPct val="100000"/>
+              <a:buFont typeface="Arial" panose="020B0604020202020204" pitchFamily="34" charset="0"/>
+              <a:buChar char="•"/>
+              <a:defRPr sz="1200" kern="1200">
+                <a:solidFill>
+                  <a:schemeClr val="tx1"/>
+                </a:solidFill>
+                <a:effectLst/>
+                <a:latin typeface="+mn-lt"/>
+                <a:ea typeface="+mn-ea"/>
+                <a:cs typeface="+mn-cs"/>
+              </a:defRPr>
+            </a:lvl6pPr>
+            <a:lvl7pPr marL="2971800" indent="-228600" algn="l" defTabSz="914400" rtl="0" eaLnBrk="1" latinLnBrk="0" hangingPunct="1">
+              <a:lnSpc>
+                <a:spcPct val="120000"/>
+              </a:lnSpc>
+              <a:spcBef>
+                <a:spcPts val="500"/>
+              </a:spcBef>
+              <a:buClr>
+                <a:schemeClr val="accent1"/>
+              </a:buClr>
+              <a:buSzPct val="100000"/>
+              <a:buFont typeface="Arial" panose="020B0604020202020204" pitchFamily="34" charset="0"/>
+              <a:buChar char="•"/>
+              <a:defRPr sz="1200" kern="1200">
+                <a:solidFill>
+                  <a:schemeClr val="tx1"/>
+                </a:solidFill>
+                <a:effectLst/>
+                <a:latin typeface="+mn-lt"/>
+                <a:ea typeface="+mn-ea"/>
+                <a:cs typeface="+mn-cs"/>
+              </a:defRPr>
+            </a:lvl7pPr>
+            <a:lvl8pPr marL="3429000" indent="-228600" algn="l" defTabSz="914400" rtl="0" eaLnBrk="1" latinLnBrk="0" hangingPunct="1">
+              <a:lnSpc>
+                <a:spcPct val="120000"/>
+              </a:lnSpc>
+              <a:spcBef>
+                <a:spcPts val="500"/>
+              </a:spcBef>
+              <a:buClr>
+                <a:schemeClr val="accent1"/>
+              </a:buClr>
+              <a:buSzPct val="100000"/>
+              <a:buFont typeface="Arial" panose="020B0604020202020204" pitchFamily="34" charset="0"/>
+              <a:buChar char="•"/>
+              <a:defRPr sz="1200" kern="1200" baseline="0">
+                <a:solidFill>
+                  <a:schemeClr val="tx1"/>
+                </a:solidFill>
+                <a:effectLst/>
+                <a:latin typeface="+mn-lt"/>
+                <a:ea typeface="+mn-ea"/>
+                <a:cs typeface="+mn-cs"/>
+              </a:defRPr>
+            </a:lvl8pPr>
+            <a:lvl9pPr marL="3886200" indent="-228600" algn="l" defTabSz="914400" rtl="0" eaLnBrk="1" latinLnBrk="0" hangingPunct="1">
+              <a:lnSpc>
+                <a:spcPct val="120000"/>
+              </a:lnSpc>
+              <a:spcBef>
+                <a:spcPts val="500"/>
+              </a:spcBef>
+              <a:buClr>
+                <a:schemeClr val="accent1"/>
+              </a:buClr>
+              <a:buSzPct val="100000"/>
+              <a:buFont typeface="Arial" panose="020B0604020202020204" pitchFamily="34" charset="0"/>
+              <a:buChar char="•"/>
+              <a:defRPr sz="1200" kern="1200" baseline="0">
+                <a:solidFill>
+                  <a:schemeClr val="tx1"/>
+                </a:solidFill>
+                <a:effectLst/>
+                <a:latin typeface="+mn-lt"/>
+                <a:ea typeface="+mn-ea"/>
+                <a:cs typeface="+mn-cs"/>
+              </a:defRPr>
+            </a:lvl9pPr>
+          </a:lstStyle>
+          <a:p>
+            <a:pPr marL="0" indent="0" algn="ctr">
+              <a:buFont typeface="Arial" panose="020B0604020202020204" pitchFamily="34" charset="0"/>
+              <a:buNone/>
+            </a:pPr>
+            <a:r>
+              <a:rPr lang="en-US" b="1" u="sng" dirty="0"/>
+              <a:t>Problem statement: </a:t>
+            </a:r>
+          </a:p>
+          <a:p>
+            <a:pPr marL="0" indent="0" algn="ctr">
+              <a:buFont typeface="Arial" panose="020B0604020202020204" pitchFamily="34" charset="0"/>
+              <a:buNone/>
+            </a:pPr>
+            <a:r>
+              <a:rPr lang="en-US" dirty="0"/>
+              <a:t>We want to investigate how a KNN classifier can be used to predict Region of the Beer.</a:t>
+            </a:r>
+          </a:p>
+          <a:p>
+            <a:pPr marL="0" indent="0" algn="ctr">
+              <a:buFont typeface="Arial" panose="020B0604020202020204" pitchFamily="34" charset="0"/>
+              <a:buNone/>
+            </a:pPr>
+            <a:r>
+              <a:rPr lang="en-US" b="1" u="sng" dirty="0"/>
+              <a:t>Step 1:  Tidying the Data</a:t>
+            </a:r>
+          </a:p>
+          <a:p>
+            <a:pPr marL="457200" indent="-457200">
+              <a:buFont typeface="+mj-lt"/>
+              <a:buAutoNum type="arabicPeriod"/>
+            </a:pPr>
+            <a:r>
+              <a:rPr lang="en-US" dirty="0"/>
+              <a:t>Trim whitespace in the State field in order to be able to match state to region</a:t>
+            </a:r>
+          </a:p>
+          <a:p>
+            <a:pPr marL="457200" indent="-457200">
+              <a:buFont typeface="+mj-lt"/>
+              <a:buAutoNum type="arabicPeriod"/>
+            </a:pPr>
+            <a:r>
+              <a:rPr lang="en-US" dirty="0"/>
+              <a:t>Using lists and string functions, add a column to the data set that shows what region the beer is from (based on state of brewery)</a:t>
+            </a:r>
+          </a:p>
+          <a:p>
+            <a:pPr marL="0" indent="0" algn="ctr">
+              <a:buFont typeface="Arial" panose="020B0604020202020204" pitchFamily="34" charset="0"/>
+              <a:buNone/>
+            </a:pPr>
+            <a:r>
+              <a:rPr lang="en-US" b="1" u="sng" dirty="0"/>
+              <a:t>Using the KNN Classifier (with 75%-25% Training-Test Split)</a:t>
+            </a:r>
+          </a:p>
+          <a:p>
+            <a:pPr marL="457200" indent="-457200">
+              <a:buFont typeface="+mj-lt"/>
+              <a:buAutoNum type="arabicPeriod"/>
+            </a:pPr>
+            <a:r>
+              <a:rPr lang="en-US" dirty="0"/>
+              <a:t> After running a loop with different train/test splits, we found that our best k is 30. </a:t>
+            </a:r>
+          </a:p>
+          <a:p>
+            <a:pPr marL="457200" indent="-457200">
+              <a:buFont typeface="+mj-lt"/>
+              <a:buAutoNum type="arabicPeriod"/>
+            </a:pPr>
+            <a:r>
+              <a:rPr lang="en-US" dirty="0"/>
+              <a:t>We were able to predict Region with an </a:t>
+            </a:r>
+            <a:r>
+              <a:rPr lang="en-US" b="1" dirty="0"/>
+              <a:t>accuracy of approximately 42.17%</a:t>
+            </a:r>
+          </a:p>
+          <a:p>
+            <a:pPr marL="457200" indent="-457200">
+              <a:buFont typeface="+mj-lt"/>
+              <a:buAutoNum type="arabicPeriod"/>
+            </a:pPr>
+            <a:r>
+              <a:rPr lang="en-US" dirty="0"/>
+              <a:t>This is a slight improvement over 25% (random guessing).</a:t>
+            </a:r>
+          </a:p>
+          <a:p>
+            <a:pPr marL="0" indent="0" algn="ctr">
+              <a:buFont typeface="Arial" panose="020B0604020202020204" pitchFamily="34" charset="0"/>
+              <a:buNone/>
+            </a:pPr>
+            <a:r>
+              <a:rPr lang="en-US" b="1" u="sng" dirty="0"/>
+              <a:t>Takeaways</a:t>
+            </a:r>
+          </a:p>
+          <a:p>
+            <a:pPr marL="457200" indent="-457200">
+              <a:buFont typeface="+mj-lt"/>
+              <a:buAutoNum type="arabicPeriod"/>
+            </a:pPr>
+            <a:r>
+              <a:rPr lang="en-US" dirty="0"/>
+              <a:t>While there is some increased ability to predict the region of a beer based on ABV and IBU, we still are not that accurate.  Marketing and Operations don’t need to differ based on region (for ABV and IBU).</a:t>
+            </a:r>
+          </a:p>
+          <a:p>
+            <a:pPr marL="457200" indent="-457200">
+              <a:buFont typeface="+mj-lt"/>
+              <a:buAutoNum type="arabicPeriod"/>
+            </a:pPr>
+            <a:r>
+              <a:rPr lang="en-US" dirty="0"/>
+              <a:t>The Northeast region has potential for market penetration due to having no unique characteristics.  This means there is a change to establish a unique beer to the region with a strong brand</a:t>
+            </a:r>
+          </a:p>
+          <a:p>
+            <a:pPr marL="457200" indent="-457200">
+              <a:buFont typeface="+mj-lt"/>
+              <a:buAutoNum type="arabicPeriod"/>
+            </a:pPr>
+            <a:endParaRPr lang="en-US" b="1" dirty="0"/>
+          </a:p>
+          <a:p>
+            <a:pPr marL="0" indent="0" algn="ctr">
+              <a:buFont typeface="Arial" panose="020B0604020202020204" pitchFamily="34" charset="0"/>
+              <a:buNone/>
+            </a:pPr>
+            <a:endParaRPr lang="en-US" dirty="0"/>
+          </a:p>
+          <a:p>
+            <a:endParaRPr lang="en-US" dirty="0"/>
+          </a:p>
+        </p:txBody>
+      </p:sp>
+    </p:spTree>
+    <p:extLst>
+      <p:ext uri="{BB962C8B-B14F-4D97-AF65-F5344CB8AC3E}">
+        <p14:creationId xmlns:p14="http://schemas.microsoft.com/office/powerpoint/2010/main" val="1631950839"/>
+      </p:ext>
+    </p:extLst>
+  </p:cSld>
+  <p:clrMapOvr>
+    <a:masterClrMapping/>
+  </p:clrMapOvr>
+</p:sld>
+</file>
+
+<file path=ppt/slides/slide13.xml><?xml version="1.0" encoding="utf-8"?>
 <p:sld xmlns:a="http://schemas.openxmlformats.org/drawingml/2006/main" xmlns:r="http://schemas.openxmlformats.org/officeDocument/2006/relationships" xmlns:p="http://schemas.openxmlformats.org/presentationml/2006/main">
   <p:cSld>
     <p:spTree>

--- a/CaseStudy1_Final_Presentation.pptx
+++ b/CaseStudy1_Final_Presentation.pptx
@@ -4441,7 +4441,7 @@
             </a:pPr>
             <a:r>
               <a:rPr lang="en-US" dirty="0"/>
-              <a:t>We want to investigate how a KNN classifier can be used to predict Region of the Beer.</a:t>
+              <a:t>We want to investigate how a KNN classifier can be used to predict the Region of the Beer.</a:t>
             </a:r>
           </a:p>
           <a:p>
@@ -6022,7 +6022,7 @@
         <p:spPr>
           <a:xfrm>
             <a:off x="675122" y="2090915"/>
-            <a:ext cx="4645152" cy="3441520"/>
+            <a:ext cx="4645152" cy="3962196"/>
           </a:xfrm>
         </p:spPr>
         <p:txBody>
@@ -6046,6 +6046,19 @@
             <a:r>
               <a:rPr lang="en-US" dirty="0"/>
               <a:t>Additionally, we plotted the linear regression line to prove even further of the positive relationship (slope of line is positive).</a:t>
+            </a:r>
+          </a:p>
+          <a:p>
+            <a:r>
+              <a:rPr lang="en-US" dirty="0"/>
+              <a:t>Key Takeaway:</a:t>
+            </a:r>
+          </a:p>
+          <a:p>
+            <a:pPr lvl="1"/>
+            <a:r>
+              <a:rPr lang="en-US" dirty="0"/>
+              <a:t>Those who want bitter beer would also want high alcohol content in their beer.</a:t>
             </a:r>
           </a:p>
         </p:txBody>

--- a/CaseStudy1_Final_Presentation.pptx
+++ b/CaseStudy1_Final_Presentation.pptx
@@ -4,6 +4,9 @@
   <p:sldMasterIdLst>
     <p:sldMasterId id="2147483648" r:id="rId1"/>
   </p:sldMasterIdLst>
+  <p:notesMasterIdLst>
+    <p:notesMasterId r:id="rId15"/>
+  </p:notesMasterIdLst>
   <p:sldIdLst>
     <p:sldId id="256" r:id="rId2"/>
     <p:sldId id="257" r:id="rId3"/>
@@ -124,6 +127,610 @@
 </p:presentation>
 </file>
 
+<file path=ppt/notesMasters/notesMaster1.xml><?xml version="1.0" encoding="utf-8"?>
+<p:notesMaster xmlns:a="http://schemas.openxmlformats.org/drawingml/2006/main" xmlns:r="http://schemas.openxmlformats.org/officeDocument/2006/relationships" xmlns:p="http://schemas.openxmlformats.org/presentationml/2006/main">
+  <p:cSld>
+    <p:bg>
+      <p:bgRef idx="1001">
+        <a:schemeClr val="bg1"/>
+      </p:bgRef>
+    </p:bg>
+    <p:spTree>
+      <p:nvGrpSpPr>
+        <p:cNvPr id="1" name=""/>
+        <p:cNvGrpSpPr/>
+        <p:nvPr/>
+      </p:nvGrpSpPr>
+      <p:grpSpPr>
+        <a:xfrm>
+          <a:off x="0" y="0"/>
+          <a:ext cx="0" cy="0"/>
+          <a:chOff x="0" y="0"/>
+          <a:chExt cx="0" cy="0"/>
+        </a:xfrm>
+      </p:grpSpPr>
+      <p:sp>
+        <p:nvSpPr>
+          <p:cNvPr id="2" name="Header Placeholder 1"/>
+          <p:cNvSpPr>
+            <a:spLocks noGrp="1"/>
+          </p:cNvSpPr>
+          <p:nvPr>
+            <p:ph type="hdr" sz="quarter"/>
+          </p:nvPr>
+        </p:nvSpPr>
+        <p:spPr>
+          <a:xfrm>
+            <a:off x="0" y="0"/>
+            <a:ext cx="2971800" cy="458788"/>
+          </a:xfrm>
+          <a:prstGeom prst="rect">
+            <a:avLst/>
+          </a:prstGeom>
+        </p:spPr>
+        <p:txBody>
+          <a:bodyPr vert="horz" lIns="91440" tIns="45720" rIns="91440" bIns="45720" rtlCol="0"/>
+          <a:lstStyle>
+            <a:lvl1pPr algn="l">
+              <a:defRPr sz="1200"/>
+            </a:lvl1pPr>
+          </a:lstStyle>
+          <a:p>
+            <a:endParaRPr lang="en-US"/>
+          </a:p>
+        </p:txBody>
+      </p:sp>
+      <p:sp>
+        <p:nvSpPr>
+          <p:cNvPr id="3" name="Date Placeholder 2"/>
+          <p:cNvSpPr>
+            <a:spLocks noGrp="1"/>
+          </p:cNvSpPr>
+          <p:nvPr>
+            <p:ph type="dt" idx="1"/>
+          </p:nvPr>
+        </p:nvSpPr>
+        <p:spPr>
+          <a:xfrm>
+            <a:off x="3884613" y="0"/>
+            <a:ext cx="2971800" cy="458788"/>
+          </a:xfrm>
+          <a:prstGeom prst="rect">
+            <a:avLst/>
+          </a:prstGeom>
+        </p:spPr>
+        <p:txBody>
+          <a:bodyPr vert="horz" lIns="91440" tIns="45720" rIns="91440" bIns="45720" rtlCol="0"/>
+          <a:lstStyle>
+            <a:lvl1pPr algn="r">
+              <a:defRPr sz="1200"/>
+            </a:lvl1pPr>
+          </a:lstStyle>
+          <a:p>
+            <a:fld id="{2A422DC5-7B38-6C44-92AF-5B7F1EDB73C9}" type="datetimeFigureOut">
+              <a:rPr lang="en-US" smtClean="0"/>
+              <a:t>3/6/21</a:t>
+            </a:fld>
+            <a:endParaRPr lang="en-US"/>
+          </a:p>
+        </p:txBody>
+      </p:sp>
+      <p:sp>
+        <p:nvSpPr>
+          <p:cNvPr id="4" name="Slide Image Placeholder 3"/>
+          <p:cNvSpPr>
+            <a:spLocks noGrp="1" noRot="1" noChangeAspect="1"/>
+          </p:cNvSpPr>
+          <p:nvPr>
+            <p:ph type="sldImg" idx="2"/>
+          </p:nvPr>
+        </p:nvSpPr>
+        <p:spPr>
+          <a:xfrm>
+            <a:off x="685800" y="1143000"/>
+            <a:ext cx="5486400" cy="3086100"/>
+          </a:xfrm>
+          <a:prstGeom prst="rect">
+            <a:avLst/>
+          </a:prstGeom>
+          <a:noFill/>
+          <a:ln w="12700">
+            <a:solidFill>
+              <a:prstClr val="black"/>
+            </a:solidFill>
+          </a:ln>
+        </p:spPr>
+        <p:txBody>
+          <a:bodyPr vert="horz" lIns="91440" tIns="45720" rIns="91440" bIns="45720" rtlCol="0" anchor="ctr"/>
+          <a:lstStyle/>
+          <a:p>
+            <a:endParaRPr lang="en-US"/>
+          </a:p>
+        </p:txBody>
+      </p:sp>
+      <p:sp>
+        <p:nvSpPr>
+          <p:cNvPr id="5" name="Notes Placeholder 4"/>
+          <p:cNvSpPr>
+            <a:spLocks noGrp="1"/>
+          </p:cNvSpPr>
+          <p:nvPr>
+            <p:ph type="body" sz="quarter" idx="3"/>
+          </p:nvPr>
+        </p:nvSpPr>
+        <p:spPr>
+          <a:xfrm>
+            <a:off x="685800" y="4400550"/>
+            <a:ext cx="5486400" cy="3600450"/>
+          </a:xfrm>
+          <a:prstGeom prst="rect">
+            <a:avLst/>
+          </a:prstGeom>
+        </p:spPr>
+        <p:txBody>
+          <a:bodyPr vert="horz" lIns="91440" tIns="45720" rIns="91440" bIns="45720" rtlCol="0"/>
+          <a:lstStyle/>
+          <a:p>
+            <a:pPr lvl="0"/>
+            <a:r>
+              <a:rPr lang="en-US"/>
+              <a:t>Click to edit Master text styles</a:t>
+            </a:r>
+          </a:p>
+          <a:p>
+            <a:pPr lvl="1"/>
+            <a:r>
+              <a:rPr lang="en-US"/>
+              <a:t>Second level</a:t>
+            </a:r>
+          </a:p>
+          <a:p>
+            <a:pPr lvl="2"/>
+            <a:r>
+              <a:rPr lang="en-US"/>
+              <a:t>Third level</a:t>
+            </a:r>
+          </a:p>
+          <a:p>
+            <a:pPr lvl="3"/>
+            <a:r>
+              <a:rPr lang="en-US"/>
+              <a:t>Fourth level</a:t>
+            </a:r>
+          </a:p>
+          <a:p>
+            <a:pPr lvl="4"/>
+            <a:r>
+              <a:rPr lang="en-US"/>
+              <a:t>Fifth level</a:t>
+            </a:r>
+          </a:p>
+        </p:txBody>
+      </p:sp>
+      <p:sp>
+        <p:nvSpPr>
+          <p:cNvPr id="6" name="Footer Placeholder 5"/>
+          <p:cNvSpPr>
+            <a:spLocks noGrp="1"/>
+          </p:cNvSpPr>
+          <p:nvPr>
+            <p:ph type="ftr" sz="quarter" idx="4"/>
+          </p:nvPr>
+        </p:nvSpPr>
+        <p:spPr>
+          <a:xfrm>
+            <a:off x="0" y="8685213"/>
+            <a:ext cx="2971800" cy="458787"/>
+          </a:xfrm>
+          <a:prstGeom prst="rect">
+            <a:avLst/>
+          </a:prstGeom>
+        </p:spPr>
+        <p:txBody>
+          <a:bodyPr vert="horz" lIns="91440" tIns="45720" rIns="91440" bIns="45720" rtlCol="0" anchor="b"/>
+          <a:lstStyle>
+            <a:lvl1pPr algn="l">
+              <a:defRPr sz="1200"/>
+            </a:lvl1pPr>
+          </a:lstStyle>
+          <a:p>
+            <a:endParaRPr lang="en-US"/>
+          </a:p>
+        </p:txBody>
+      </p:sp>
+      <p:sp>
+        <p:nvSpPr>
+          <p:cNvPr id="7" name="Slide Number Placeholder 6"/>
+          <p:cNvSpPr>
+            <a:spLocks noGrp="1"/>
+          </p:cNvSpPr>
+          <p:nvPr>
+            <p:ph type="sldNum" sz="quarter" idx="5"/>
+          </p:nvPr>
+        </p:nvSpPr>
+        <p:spPr>
+          <a:xfrm>
+            <a:off x="3884613" y="8685213"/>
+            <a:ext cx="2971800" cy="458787"/>
+          </a:xfrm>
+          <a:prstGeom prst="rect">
+            <a:avLst/>
+          </a:prstGeom>
+        </p:spPr>
+        <p:txBody>
+          <a:bodyPr vert="horz" lIns="91440" tIns="45720" rIns="91440" bIns="45720" rtlCol="0" anchor="b"/>
+          <a:lstStyle>
+            <a:lvl1pPr algn="r">
+              <a:defRPr sz="1200"/>
+            </a:lvl1pPr>
+          </a:lstStyle>
+          <a:p>
+            <a:fld id="{EAF52535-4776-294F-85D9-01D59ED4ED4B}" type="slidenum">
+              <a:rPr lang="en-US" smtClean="0"/>
+              <a:t>‹#›</a:t>
+            </a:fld>
+            <a:endParaRPr lang="en-US"/>
+          </a:p>
+        </p:txBody>
+      </p:sp>
+    </p:spTree>
+    <p:extLst>
+      <p:ext uri="{BB962C8B-B14F-4D97-AF65-F5344CB8AC3E}">
+        <p14:creationId xmlns:p14="http://schemas.microsoft.com/office/powerpoint/2010/main" val="1891953991"/>
+      </p:ext>
+    </p:extLst>
+  </p:cSld>
+  <p:clrMap bg1="lt1" tx1="dk1" bg2="lt2" tx2="dk2" accent1="accent1" accent2="accent2" accent3="accent3" accent4="accent4" accent5="accent5" accent6="accent6" hlink="hlink" folHlink="folHlink"/>
+  <p:notesStyle>
+    <a:lvl1pPr marL="0" algn="l" defTabSz="914400" rtl="0" eaLnBrk="1" latinLnBrk="0" hangingPunct="1">
+      <a:defRPr sz="1200" kern="1200">
+        <a:solidFill>
+          <a:schemeClr val="tx1"/>
+        </a:solidFill>
+        <a:latin typeface="+mn-lt"/>
+        <a:ea typeface="+mn-ea"/>
+        <a:cs typeface="+mn-cs"/>
+      </a:defRPr>
+    </a:lvl1pPr>
+    <a:lvl2pPr marL="457200" algn="l" defTabSz="914400" rtl="0" eaLnBrk="1" latinLnBrk="0" hangingPunct="1">
+      <a:defRPr sz="1200" kern="1200">
+        <a:solidFill>
+          <a:schemeClr val="tx1"/>
+        </a:solidFill>
+        <a:latin typeface="+mn-lt"/>
+        <a:ea typeface="+mn-ea"/>
+        <a:cs typeface="+mn-cs"/>
+      </a:defRPr>
+    </a:lvl2pPr>
+    <a:lvl3pPr marL="914400" algn="l" defTabSz="914400" rtl="0" eaLnBrk="1" latinLnBrk="0" hangingPunct="1">
+      <a:defRPr sz="1200" kern="1200">
+        <a:solidFill>
+          <a:schemeClr val="tx1"/>
+        </a:solidFill>
+        <a:latin typeface="+mn-lt"/>
+        <a:ea typeface="+mn-ea"/>
+        <a:cs typeface="+mn-cs"/>
+      </a:defRPr>
+    </a:lvl3pPr>
+    <a:lvl4pPr marL="1371600" algn="l" defTabSz="914400" rtl="0" eaLnBrk="1" latinLnBrk="0" hangingPunct="1">
+      <a:defRPr sz="1200" kern="1200">
+        <a:solidFill>
+          <a:schemeClr val="tx1"/>
+        </a:solidFill>
+        <a:latin typeface="+mn-lt"/>
+        <a:ea typeface="+mn-ea"/>
+        <a:cs typeface="+mn-cs"/>
+      </a:defRPr>
+    </a:lvl4pPr>
+    <a:lvl5pPr marL="1828800" algn="l" defTabSz="914400" rtl="0" eaLnBrk="1" latinLnBrk="0" hangingPunct="1">
+      <a:defRPr sz="1200" kern="1200">
+        <a:solidFill>
+          <a:schemeClr val="tx1"/>
+        </a:solidFill>
+        <a:latin typeface="+mn-lt"/>
+        <a:ea typeface="+mn-ea"/>
+        <a:cs typeface="+mn-cs"/>
+      </a:defRPr>
+    </a:lvl5pPr>
+    <a:lvl6pPr marL="2286000" algn="l" defTabSz="914400" rtl="0" eaLnBrk="1" latinLnBrk="0" hangingPunct="1">
+      <a:defRPr sz="1200" kern="1200">
+        <a:solidFill>
+          <a:schemeClr val="tx1"/>
+        </a:solidFill>
+        <a:latin typeface="+mn-lt"/>
+        <a:ea typeface="+mn-ea"/>
+        <a:cs typeface="+mn-cs"/>
+      </a:defRPr>
+    </a:lvl6pPr>
+    <a:lvl7pPr marL="2743200" algn="l" defTabSz="914400" rtl="0" eaLnBrk="1" latinLnBrk="0" hangingPunct="1">
+      <a:defRPr sz="1200" kern="1200">
+        <a:solidFill>
+          <a:schemeClr val="tx1"/>
+        </a:solidFill>
+        <a:latin typeface="+mn-lt"/>
+        <a:ea typeface="+mn-ea"/>
+        <a:cs typeface="+mn-cs"/>
+      </a:defRPr>
+    </a:lvl7pPr>
+    <a:lvl8pPr marL="3200400" algn="l" defTabSz="914400" rtl="0" eaLnBrk="1" latinLnBrk="0" hangingPunct="1">
+      <a:defRPr sz="1200" kern="1200">
+        <a:solidFill>
+          <a:schemeClr val="tx1"/>
+        </a:solidFill>
+        <a:latin typeface="+mn-lt"/>
+        <a:ea typeface="+mn-ea"/>
+        <a:cs typeface="+mn-cs"/>
+      </a:defRPr>
+    </a:lvl8pPr>
+    <a:lvl9pPr marL="3657600" algn="l" defTabSz="914400" rtl="0" eaLnBrk="1" latinLnBrk="0" hangingPunct="1">
+      <a:defRPr sz="1200" kern="1200">
+        <a:solidFill>
+          <a:schemeClr val="tx1"/>
+        </a:solidFill>
+        <a:latin typeface="+mn-lt"/>
+        <a:ea typeface="+mn-ea"/>
+        <a:cs typeface="+mn-cs"/>
+      </a:defRPr>
+    </a:lvl9pPr>
+  </p:notesStyle>
+</p:notesMaster>
+</file>
+
+<file path=ppt/notesSlides/notesSlide1.xml><?xml version="1.0" encoding="utf-8"?>
+<p:notes xmlns:a="http://schemas.openxmlformats.org/drawingml/2006/main" xmlns:r="http://schemas.openxmlformats.org/officeDocument/2006/relationships" xmlns:p="http://schemas.openxmlformats.org/presentationml/2006/main">
+  <p:cSld>
+    <p:spTree>
+      <p:nvGrpSpPr>
+        <p:cNvPr id="1" name=""/>
+        <p:cNvGrpSpPr/>
+        <p:nvPr/>
+      </p:nvGrpSpPr>
+      <p:grpSpPr>
+        <a:xfrm>
+          <a:off x="0" y="0"/>
+          <a:ext cx="0" cy="0"/>
+          <a:chOff x="0" y="0"/>
+          <a:chExt cx="0" cy="0"/>
+        </a:xfrm>
+      </p:grpSpPr>
+      <p:sp>
+        <p:nvSpPr>
+          <p:cNvPr id="2" name="Slide Image Placeholder 1"/>
+          <p:cNvSpPr>
+            <a:spLocks noGrp="1" noRot="1" noChangeAspect="1"/>
+          </p:cNvSpPr>
+          <p:nvPr>
+            <p:ph type="sldImg"/>
+          </p:nvPr>
+        </p:nvSpPr>
+        <p:spPr/>
+      </p:sp>
+      <p:sp>
+        <p:nvSpPr>
+          <p:cNvPr id="3" name="Notes Placeholder 2"/>
+          <p:cNvSpPr>
+            <a:spLocks noGrp="1"/>
+          </p:cNvSpPr>
+          <p:nvPr>
+            <p:ph type="body" idx="1"/>
+          </p:nvPr>
+        </p:nvSpPr>
+        <p:spPr/>
+        <p:txBody>
+          <a:bodyPr/>
+          <a:lstStyle/>
+          <a:p>
+            <a:r>
+              <a:rPr lang="en-US" dirty="0"/>
+              <a:t>Hi, I’m Satvik Ajmera. Today, we’re taking a deep dive into the beer and breweries dataset by answering some questions of interest and using these insights to make better beer.</a:t>
+            </a:r>
+          </a:p>
+        </p:txBody>
+      </p:sp>
+      <p:sp>
+        <p:nvSpPr>
+          <p:cNvPr id="4" name="Slide Number Placeholder 3"/>
+          <p:cNvSpPr>
+            <a:spLocks noGrp="1"/>
+          </p:cNvSpPr>
+          <p:nvPr>
+            <p:ph type="sldNum" sz="quarter" idx="5"/>
+          </p:nvPr>
+        </p:nvSpPr>
+        <p:spPr/>
+        <p:txBody>
+          <a:bodyPr/>
+          <a:lstStyle/>
+          <a:p>
+            <a:fld id="{EAF52535-4776-294F-85D9-01D59ED4ED4B}" type="slidenum">
+              <a:rPr lang="en-US" smtClean="0"/>
+              <a:t>1</a:t>
+            </a:fld>
+            <a:endParaRPr lang="en-US"/>
+          </a:p>
+        </p:txBody>
+      </p:sp>
+    </p:spTree>
+    <p:extLst>
+      <p:ext uri="{BB962C8B-B14F-4D97-AF65-F5344CB8AC3E}">
+        <p14:creationId xmlns:p14="http://schemas.microsoft.com/office/powerpoint/2010/main" val="1337167507"/>
+      </p:ext>
+    </p:extLst>
+  </p:cSld>
+  <p:clrMapOvr>
+    <a:masterClrMapping/>
+  </p:clrMapOvr>
+</p:notes>
+</file>
+
+<file path=ppt/notesSlides/notesSlide2.xml><?xml version="1.0" encoding="utf-8"?>
+<p:notes xmlns:a="http://schemas.openxmlformats.org/drawingml/2006/main" xmlns:r="http://schemas.openxmlformats.org/officeDocument/2006/relationships" xmlns:p="http://schemas.openxmlformats.org/presentationml/2006/main">
+  <p:cSld>
+    <p:spTree>
+      <p:nvGrpSpPr>
+        <p:cNvPr id="1" name=""/>
+        <p:cNvGrpSpPr/>
+        <p:nvPr/>
+      </p:nvGrpSpPr>
+      <p:grpSpPr>
+        <a:xfrm>
+          <a:off x="0" y="0"/>
+          <a:ext cx="0" cy="0"/>
+          <a:chOff x="0" y="0"/>
+          <a:chExt cx="0" cy="0"/>
+        </a:xfrm>
+      </p:grpSpPr>
+      <p:sp>
+        <p:nvSpPr>
+          <p:cNvPr id="2" name="Slide Image Placeholder 1"/>
+          <p:cNvSpPr>
+            <a:spLocks noGrp="1" noRot="1" noChangeAspect="1"/>
+          </p:cNvSpPr>
+          <p:nvPr>
+            <p:ph type="sldImg"/>
+          </p:nvPr>
+        </p:nvSpPr>
+        <p:spPr/>
+      </p:sp>
+      <p:sp>
+        <p:nvSpPr>
+          <p:cNvPr id="3" name="Notes Placeholder 2"/>
+          <p:cNvSpPr>
+            <a:spLocks noGrp="1"/>
+          </p:cNvSpPr>
+          <p:nvPr>
+            <p:ph type="body" idx="1"/>
+          </p:nvPr>
+        </p:nvSpPr>
+        <p:spPr/>
+        <p:txBody>
+          <a:bodyPr/>
+          <a:lstStyle/>
+          <a:p>
+            <a:endParaRPr lang="en-US" dirty="0"/>
+          </a:p>
+        </p:txBody>
+      </p:sp>
+      <p:sp>
+        <p:nvSpPr>
+          <p:cNvPr id="4" name="Slide Number Placeholder 3"/>
+          <p:cNvSpPr>
+            <a:spLocks noGrp="1"/>
+          </p:cNvSpPr>
+          <p:nvPr>
+            <p:ph type="sldNum" sz="quarter" idx="5"/>
+          </p:nvPr>
+        </p:nvSpPr>
+        <p:spPr/>
+        <p:txBody>
+          <a:bodyPr/>
+          <a:lstStyle/>
+          <a:p>
+            <a:fld id="{EAF52535-4776-294F-85D9-01D59ED4ED4B}" type="slidenum">
+              <a:rPr lang="en-US" smtClean="0"/>
+              <a:t>2</a:t>
+            </a:fld>
+            <a:endParaRPr lang="en-US"/>
+          </a:p>
+        </p:txBody>
+      </p:sp>
+    </p:spTree>
+    <p:extLst>
+      <p:ext uri="{BB962C8B-B14F-4D97-AF65-F5344CB8AC3E}">
+        <p14:creationId xmlns:p14="http://schemas.microsoft.com/office/powerpoint/2010/main" val="2731871166"/>
+      </p:ext>
+    </p:extLst>
+  </p:cSld>
+  <p:clrMapOvr>
+    <a:masterClrMapping/>
+  </p:clrMapOvr>
+</p:notes>
+</file>
+
+<file path=ppt/notesSlides/notesSlide3.xml><?xml version="1.0" encoding="utf-8"?>
+<p:notes xmlns:a="http://schemas.openxmlformats.org/drawingml/2006/main" xmlns:r="http://schemas.openxmlformats.org/officeDocument/2006/relationships" xmlns:p="http://schemas.openxmlformats.org/presentationml/2006/main">
+  <p:cSld>
+    <p:spTree>
+      <p:nvGrpSpPr>
+        <p:cNvPr id="1" name=""/>
+        <p:cNvGrpSpPr/>
+        <p:nvPr/>
+      </p:nvGrpSpPr>
+      <p:grpSpPr>
+        <a:xfrm>
+          <a:off x="0" y="0"/>
+          <a:ext cx="0" cy="0"/>
+          <a:chOff x="0" y="0"/>
+          <a:chExt cx="0" cy="0"/>
+        </a:xfrm>
+      </p:grpSpPr>
+      <p:sp>
+        <p:nvSpPr>
+          <p:cNvPr id="2" name="Slide Image Placeholder 1"/>
+          <p:cNvSpPr>
+            <a:spLocks noGrp="1" noRot="1" noChangeAspect="1"/>
+          </p:cNvSpPr>
+          <p:nvPr>
+            <p:ph type="sldImg"/>
+          </p:nvPr>
+        </p:nvSpPr>
+        <p:spPr/>
+      </p:sp>
+      <p:sp>
+        <p:nvSpPr>
+          <p:cNvPr id="3" name="Notes Placeholder 2"/>
+          <p:cNvSpPr>
+            <a:spLocks noGrp="1"/>
+          </p:cNvSpPr>
+          <p:nvPr>
+            <p:ph type="body" idx="1"/>
+          </p:nvPr>
+        </p:nvSpPr>
+        <p:spPr/>
+        <p:txBody>
+          <a:bodyPr/>
+          <a:lstStyle/>
+          <a:p>
+            <a:endParaRPr lang="en-US" dirty="0"/>
+          </a:p>
+        </p:txBody>
+      </p:sp>
+      <p:sp>
+        <p:nvSpPr>
+          <p:cNvPr id="4" name="Slide Number Placeholder 3"/>
+          <p:cNvSpPr>
+            <a:spLocks noGrp="1"/>
+          </p:cNvSpPr>
+          <p:nvPr>
+            <p:ph type="sldNum" sz="quarter" idx="5"/>
+          </p:nvPr>
+        </p:nvSpPr>
+        <p:spPr/>
+        <p:txBody>
+          <a:bodyPr/>
+          <a:lstStyle/>
+          <a:p>
+            <a:fld id="{EAF52535-4776-294F-85D9-01D59ED4ED4B}" type="slidenum">
+              <a:rPr lang="en-US" smtClean="0"/>
+              <a:t>4</a:t>
+            </a:fld>
+            <a:endParaRPr lang="en-US"/>
+          </a:p>
+        </p:txBody>
+      </p:sp>
+    </p:spTree>
+    <p:extLst>
+      <p:ext uri="{BB962C8B-B14F-4D97-AF65-F5344CB8AC3E}">
+        <p14:creationId xmlns:p14="http://schemas.microsoft.com/office/powerpoint/2010/main" val="1049606031"/>
+      </p:ext>
+    </p:extLst>
+  </p:cSld>
+  <p:clrMapOvr>
+    <a:masterClrMapping/>
+  </p:clrMapOvr>
+</p:notes>
+</file>
+
 <file path=ppt/slideLayouts/slideLayout1.xml><?xml version="1.0" encoding="utf-8"?>
 <p:sldLayout xmlns:a="http://schemas.openxmlformats.org/drawingml/2006/main" xmlns:r="http://schemas.openxmlformats.org/officeDocument/2006/relationships" xmlns:p="http://schemas.openxmlformats.org/presentationml/2006/main" type="title" preserve="1">
   <p:cSld name="Title Slide">
@@ -263,7 +870,7 @@
           <a:p>
             <a:fld id="{48A87A34-81AB-432B-8DAE-1953F412C126}" type="datetimeFigureOut">
               <a:rPr lang="en-US" dirty="0"/>
-              <a:t>3/5/21</a:t>
+              <a:t>3/6/21</a:t>
             </a:fld>
             <a:endParaRPr lang="en-US" dirty="0"/>
           </a:p>
@@ -469,7 +1076,7 @@
           <a:p>
             <a:fld id="{48A87A34-81AB-432B-8DAE-1953F412C126}" type="datetimeFigureOut">
               <a:rPr lang="en-US" dirty="0"/>
-              <a:t>3/5/21</a:t>
+              <a:t>3/6/21</a:t>
             </a:fld>
             <a:endParaRPr lang="en-US" dirty="0"/>
           </a:p>
@@ -679,7 +1286,7 @@
           <a:p>
             <a:fld id="{48A87A34-81AB-432B-8DAE-1953F412C126}" type="datetimeFigureOut">
               <a:rPr lang="en-US" dirty="0"/>
-              <a:t>3/5/21</a:t>
+              <a:t>3/6/21</a:t>
             </a:fld>
             <a:endParaRPr lang="en-US" dirty="0"/>
           </a:p>
@@ -875,7 +1482,7 @@
           <a:p>
             <a:fld id="{48A87A34-81AB-432B-8DAE-1953F412C126}" type="datetimeFigureOut">
               <a:rPr lang="en-US" dirty="0"/>
-              <a:t>3/5/21</a:t>
+              <a:t>3/6/21</a:t>
             </a:fld>
             <a:endParaRPr lang="en-US" dirty="0"/>
           </a:p>
@@ -1149,7 +1756,7 @@
           <a:p>
             <a:fld id="{48A87A34-81AB-432B-8DAE-1953F412C126}" type="datetimeFigureOut">
               <a:rPr lang="en-US" dirty="0"/>
-              <a:t>3/5/21</a:t>
+              <a:t>3/6/21</a:t>
             </a:fld>
             <a:endParaRPr lang="en-US" dirty="0"/>
           </a:p>
@@ -1412,7 +2019,7 @@
           <a:p>
             <a:fld id="{48A87A34-81AB-432B-8DAE-1953F412C126}" type="datetimeFigureOut">
               <a:rPr lang="en-US" dirty="0"/>
-              <a:t>3/5/21</a:t>
+              <a:t>3/6/21</a:t>
             </a:fld>
             <a:endParaRPr lang="en-US" dirty="0"/>
           </a:p>
@@ -1823,7 +2430,7 @@
           <a:p>
             <a:fld id="{48A87A34-81AB-432B-8DAE-1953F412C126}" type="datetimeFigureOut">
               <a:rPr lang="en-US" dirty="0"/>
-              <a:t>3/5/21</a:t>
+              <a:t>3/6/21</a:t>
             </a:fld>
             <a:endParaRPr lang="en-US" dirty="0"/>
           </a:p>
@@ -1967,7 +2574,7 @@
           <a:p>
             <a:fld id="{48A87A34-81AB-432B-8DAE-1953F412C126}" type="datetimeFigureOut">
               <a:rPr lang="en-US" dirty="0"/>
-              <a:t>3/5/21</a:t>
+              <a:t>3/6/21</a:t>
             </a:fld>
             <a:endParaRPr lang="en-US" dirty="0"/>
           </a:p>
@@ -2088,7 +2695,7 @@
           <a:p>
             <a:fld id="{48A87A34-81AB-432B-8DAE-1953F412C126}" type="datetimeFigureOut">
               <a:rPr lang="en-US" dirty="0"/>
-              <a:t>3/5/21</a:t>
+              <a:t>3/6/21</a:t>
             </a:fld>
             <a:endParaRPr lang="en-US" dirty="0"/>
           </a:p>
@@ -2334,7 +2941,7 @@
           <a:p>
             <a:fld id="{48A87A34-81AB-432B-8DAE-1953F412C126}" type="datetimeFigureOut">
               <a:rPr lang="en-US" dirty="0"/>
-              <a:t>3/5/21</a:t>
+              <a:t>3/6/21</a:t>
             </a:fld>
             <a:endParaRPr lang="en-US" dirty="0"/>
           </a:p>
@@ -2775,7 +3382,7 @@
             <a:fld id="{48A87A34-81AB-432B-8DAE-1953F412C126}" type="datetimeFigureOut">
               <a:rPr lang="en-US" dirty="0"/>
               <a:pPr/>
-              <a:t>3/5/21</a:t>
+              <a:t>3/6/21</a:t>
             </a:fld>
             <a:endParaRPr lang="en-US" dirty="0"/>
           </a:p>
@@ -3098,7 +3705,7 @@
             <a:fld id="{48A87A34-81AB-432B-8DAE-1953F412C126}" type="datetimeFigureOut">
               <a:rPr lang="en-US" dirty="0"/>
               <a:pPr/>
-              <a:t>3/5/21</a:t>
+              <a:t>3/6/21</a:t>
             </a:fld>
             <a:endParaRPr lang="en-US" dirty="0"/>
           </a:p>
@@ -3626,12 +4233,14 @@
         </p:nvSpPr>
         <p:spPr>
           <a:xfrm>
-            <a:off x="2417780" y="3531204"/>
-            <a:ext cx="8637072" cy="1597844"/>
-          </a:xfrm>
-        </p:spPr>
-        <p:txBody>
-          <a:bodyPr/>
+            <a:off x="2417780" y="3531203"/>
+            <a:ext cx="8637072" cy="2276929"/>
+          </a:xfrm>
+        </p:spPr>
+        <p:txBody>
+          <a:bodyPr>
+            <a:normAutofit fontScale="92500" lnSpcReduction="20000"/>
+          </a:bodyPr>
           <a:lstStyle/>
           <a:p>
             <a:r>
@@ -3656,8 +4265,84 @@
           <a:p>
             <a:r>
               <a:rPr lang="en-US" dirty="0"/>
-              <a:t>03/04/21</a:t>
-            </a:r>
+              <a:t>03/06/21</a:t>
+            </a:r>
+          </a:p>
+          <a:p>
+            <a:r>
+              <a:rPr lang="en-US" dirty="0" err="1"/>
+              <a:t>Satvik’s</a:t>
+            </a:r>
+            <a:r>
+              <a:rPr lang="en-US" dirty="0"/>
+              <a:t> </a:t>
+            </a:r>
+            <a:r>
+              <a:rPr lang="en-US" dirty="0" err="1"/>
+              <a:t>Youtube</a:t>
+            </a:r>
+            <a:r>
+              <a:rPr lang="en-US" dirty="0"/>
+              <a:t> Presentation: </a:t>
+            </a:r>
+            <a:r>
+              <a:rPr lang="en-US" dirty="0">
+                <a:hlinkClick r:id="rId3"/>
+              </a:rPr>
+              <a:t>https://youtu.be/qmtEkoYRh-s</a:t>
+            </a:r>
+            <a:endParaRPr lang="en-US" dirty="0"/>
+          </a:p>
+          <a:p>
+            <a:r>
+              <a:rPr lang="en-US" dirty="0"/>
+              <a:t>Rob’s </a:t>
+            </a:r>
+            <a:r>
+              <a:rPr lang="en-US" dirty="0" err="1"/>
+              <a:t>youtube</a:t>
+            </a:r>
+            <a:r>
+              <a:rPr lang="en-US" dirty="0"/>
+              <a:t> Presentation: </a:t>
+            </a:r>
+            <a:r>
+              <a:rPr lang="en-US" dirty="0">
+                <a:hlinkClick r:id="rId4"/>
+              </a:rPr>
+              <a:t>https://</a:t>
+            </a:r>
+            <a:r>
+              <a:rPr lang="en-US" dirty="0" err="1">
+                <a:hlinkClick r:id="rId4"/>
+              </a:rPr>
+              <a:t>www.youtube.com</a:t>
+            </a:r>
+            <a:r>
+              <a:rPr lang="en-US" dirty="0">
+                <a:hlinkClick r:id="rId4"/>
+              </a:rPr>
+              <a:t>/</a:t>
+            </a:r>
+            <a:r>
+              <a:rPr lang="en-US" dirty="0" err="1">
+                <a:hlinkClick r:id="rId4"/>
+              </a:rPr>
+              <a:t>watch?v</a:t>
+            </a:r>
+            <a:r>
+              <a:rPr lang="en-US" dirty="0">
+                <a:hlinkClick r:id="rId4"/>
+              </a:rPr>
+              <a:t>=</a:t>
+            </a:r>
+            <a:r>
+              <a:rPr lang="en-US" dirty="0" err="1">
+                <a:hlinkClick r:id="rId4"/>
+              </a:rPr>
+              <a:t>XdspTMDJiMM</a:t>
+            </a:r>
+            <a:endParaRPr lang="en-US" dirty="0"/>
           </a:p>
           <a:p>
             <a:endParaRPr lang="en-US" dirty="0"/>
@@ -3748,13 +4433,13 @@
         </p:nvSpPr>
         <p:spPr>
           <a:xfrm>
-            <a:off x="68226" y="2015732"/>
-            <a:ext cx="6027774" cy="3730727"/>
+            <a:off x="68225" y="2015732"/>
+            <a:ext cx="6729182" cy="3933376"/>
           </a:xfrm>
         </p:spPr>
         <p:txBody>
           <a:bodyPr>
-            <a:normAutofit fontScale="55000" lnSpcReduction="20000"/>
+            <a:normAutofit fontScale="92500"/>
           </a:bodyPr>
           <a:lstStyle/>
           <a:p>
@@ -3762,7 +4447,7 @@
               <a:buNone/>
             </a:pPr>
             <a:r>
-              <a:rPr lang="en-US" b="1" u="sng" dirty="0"/>
+              <a:rPr lang="en-US" sz="1200" b="1" u="sng" dirty="0"/>
               <a:t>Problem statement: </a:t>
             </a:r>
           </a:p>
@@ -3771,7 +4456,7 @@
               <a:buNone/>
             </a:pPr>
             <a:r>
-              <a:rPr lang="en-US" dirty="0"/>
+              <a:rPr lang="en-US" sz="1200" dirty="0"/>
               <a:t>We want to investigate how a KNN classifier can be used to predict India Pales Ales and other Ales.</a:t>
             </a:r>
           </a:p>
@@ -3780,7 +4465,7 @@
               <a:buNone/>
             </a:pPr>
             <a:r>
-              <a:rPr lang="en-US" b="1" u="sng" dirty="0"/>
+              <a:rPr lang="en-US" sz="1200" b="1" u="sng" dirty="0"/>
               <a:t>Step 1:  Tidying the Data</a:t>
             </a:r>
           </a:p>
@@ -3790,7 +4475,7 @@
               <a:buAutoNum type="arabicPeriod"/>
             </a:pPr>
             <a:r>
-              <a:rPr lang="en-US" dirty="0"/>
+              <a:rPr lang="en-US" sz="1200" dirty="0"/>
               <a:t>Using string functions to find and rename all Ales to “Other Ales”, find and rename all IPAs to “IPA.</a:t>
             </a:r>
           </a:p>
@@ -3800,7 +4485,7 @@
               <a:buAutoNum type="arabicPeriod"/>
             </a:pPr>
             <a:r>
-              <a:rPr lang="en-US" dirty="0"/>
+              <a:rPr lang="en-US" sz="1200" dirty="0"/>
               <a:t>Then, filter out other types of beers</a:t>
             </a:r>
           </a:p>
@@ -3809,7 +4494,7 @@
               <a:buNone/>
             </a:pPr>
             <a:r>
-              <a:rPr lang="en-US" b="1" u="sng" dirty="0"/>
+              <a:rPr lang="en-US" sz="1200" b="1" u="sng" dirty="0"/>
               <a:t>Using the KNN Classifier (with 75%-25% Training-Test Split)</a:t>
             </a:r>
           </a:p>
@@ -3819,7 +4504,7 @@
               <a:buAutoNum type="arabicPeriod"/>
             </a:pPr>
             <a:r>
-              <a:rPr lang="en-US" dirty="0"/>
+              <a:rPr lang="en-US" sz="1200" dirty="0"/>
               <a:t> After running a loop with different train/test splits, we found that our best k is 5. </a:t>
             </a:r>
           </a:p>
@@ -3829,11 +4514,11 @@
               <a:buAutoNum type="arabicPeriod"/>
             </a:pPr>
             <a:r>
-              <a:rPr lang="en-US" dirty="0"/>
+              <a:rPr lang="en-US" sz="1200" dirty="0"/>
               <a:t>We were able to predict India Pale Ales and other Ales with an </a:t>
             </a:r>
             <a:r>
-              <a:rPr lang="en-US" b="1" dirty="0"/>
+              <a:rPr lang="en-US" sz="1200" b="1" dirty="0"/>
               <a:t>accuracy of approximately 84.75%</a:t>
             </a:r>
           </a:p>
@@ -3842,7 +4527,7 @@
               <a:buNone/>
             </a:pPr>
             <a:r>
-              <a:rPr lang="en-US" b="1" u="sng" dirty="0"/>
+              <a:rPr lang="en-US" sz="1200" b="1" u="sng" dirty="0"/>
               <a:t>Takeaways</a:t>
             </a:r>
           </a:p>
@@ -3852,7 +4537,7 @@
               <a:buAutoNum type="arabicPeriod"/>
             </a:pPr>
             <a:r>
-              <a:rPr lang="en-US" dirty="0"/>
+              <a:rPr lang="en-US" sz="1200" dirty="0"/>
               <a:t>The graph on the right plots the predictions based on ABV and IBU.  </a:t>
             </a:r>
           </a:p>
@@ -3862,25 +4547,19 @@
               <a:buAutoNum type="arabicPeriod"/>
             </a:pPr>
             <a:r>
-              <a:rPr lang="en-US" dirty="0"/>
+              <a:rPr lang="en-US" sz="1200" dirty="0"/>
               <a:t>While both predictors appear to influence IPA vs Other Ale, visually we can see that IBU has a slightly stronger effect.  </a:t>
             </a:r>
-          </a:p>
-          <a:p>
-            <a:pPr marL="457200" indent="-457200">
-              <a:buFont typeface="+mj-lt"/>
-              <a:buAutoNum type="arabicPeriod"/>
+            <a:endParaRPr lang="en-US" sz="1200" b="1" dirty="0"/>
+          </a:p>
+          <a:p>
+            <a:pPr marL="0" indent="0" algn="ctr">
+              <a:buNone/>
             </a:pPr>
-            <a:endParaRPr lang="en-US" b="1" dirty="0"/>
-          </a:p>
-          <a:p>
-            <a:pPr marL="0" indent="0" algn="ctr">
-              <a:buNone/>
-            </a:pPr>
-            <a:endParaRPr lang="en-US" dirty="0"/>
-          </a:p>
-          <a:p>
-            <a:endParaRPr lang="en-US" dirty="0"/>
+            <a:endParaRPr lang="en-US" sz="1200" dirty="0"/>
+          </a:p>
+          <a:p>
+            <a:endParaRPr lang="en-US" sz="1200" dirty="0"/>
           </a:p>
         </p:txBody>
       </p:sp>
@@ -3906,7 +4585,7 @@
         </p:blipFill>
         <p:spPr>
           <a:xfrm>
-            <a:off x="6719880" y="2155788"/>
+            <a:off x="7006319" y="2155788"/>
             <a:ext cx="4859317" cy="3450613"/>
           </a:xfrm>
           <a:prstGeom prst="rect">
@@ -4780,7 +5459,7 @@
           </p:nvPr>
         </p:nvPicPr>
         <p:blipFill>
-          <a:blip r:embed="rId2"/>
+          <a:blip r:embed="rId3"/>
           <a:stretch>
             <a:fillRect/>
           </a:stretch>
@@ -5065,7 +5744,7 @@
           <p:nvPr/>
         </p:nvPicPr>
         <p:blipFill>
-          <a:blip r:embed="rId2"/>
+          <a:blip r:embed="rId3"/>
           <a:stretch>
             <a:fillRect/>
           </a:stretch>
@@ -6033,7 +6712,7 @@
           <a:p>
             <a:r>
               <a:rPr lang="en-US" dirty="0"/>
-              <a:t>The scatterplot to the right shows the relationship between IBA and ABV.  </a:t>
+              <a:t>The scatterplot to the right shows the relationship between IBU and ABV.  </a:t>
             </a:r>
           </a:p>
           <a:p>
@@ -6327,4 +7006,299 @@
     </a:ext>
   </a:extLst>
 </a:theme>
+</file>
+
+<file path=ppt/theme/theme2.xml><?xml version="1.0" encoding="utf-8"?>
+<a:theme xmlns:a="http://schemas.openxmlformats.org/drawingml/2006/main" name="Office Theme">
+  <a:themeElements>
+    <a:clrScheme name="Office">
+      <a:dk1>
+        <a:sysClr val="windowText" lastClr="000000"/>
+      </a:dk1>
+      <a:lt1>
+        <a:sysClr val="window" lastClr="FFFFFF"/>
+      </a:lt1>
+      <a:dk2>
+        <a:srgbClr val="44546A"/>
+      </a:dk2>
+      <a:lt2>
+        <a:srgbClr val="E7E6E6"/>
+      </a:lt2>
+      <a:accent1>
+        <a:srgbClr val="4472C4"/>
+      </a:accent1>
+      <a:accent2>
+        <a:srgbClr val="ED7D31"/>
+      </a:accent2>
+      <a:accent3>
+        <a:srgbClr val="A5A5A5"/>
+      </a:accent3>
+      <a:accent4>
+        <a:srgbClr val="FFC000"/>
+      </a:accent4>
+      <a:accent5>
+        <a:srgbClr val="5B9BD5"/>
+      </a:accent5>
+      <a:accent6>
+        <a:srgbClr val="70AD47"/>
+      </a:accent6>
+      <a:hlink>
+        <a:srgbClr val="0563C1"/>
+      </a:hlink>
+      <a:folHlink>
+        <a:srgbClr val="954F72"/>
+      </a:folHlink>
+    </a:clrScheme>
+    <a:fontScheme name="Office">
+      <a:majorFont>
+        <a:latin typeface="Calibri Light" panose="020F0302020204030204"/>
+        <a:ea typeface=""/>
+        <a:cs typeface=""/>
+        <a:font script="Jpan" typeface="游ゴシック Light"/>
+        <a:font script="Hang" typeface="맑은 고딕"/>
+        <a:font script="Hans" typeface="等线 Light"/>
+        <a:font script="Hant" typeface="新細明體"/>
+        <a:font script="Arab" typeface="Times New Roman"/>
+        <a:font script="Hebr" typeface="Times New Roman"/>
+        <a:font script="Thai" typeface="Angsana New"/>
+        <a:font script="Ethi" typeface="Nyala"/>
+        <a:font script="Beng" typeface="Vrinda"/>
+        <a:font script="Gujr" typeface="Shruti"/>
+        <a:font script="Khmr" typeface="MoolBoran"/>
+        <a:font script="Knda" typeface="Tunga"/>
+        <a:font script="Guru" typeface="Raavi"/>
+        <a:font script="Cans" typeface="Euphemia"/>
+        <a:font script="Cher" typeface="Plantagenet Cherokee"/>
+        <a:font script="Yiii" typeface="Microsoft Yi Baiti"/>
+        <a:font script="Tibt" typeface="Microsoft Himalaya"/>
+        <a:font script="Thaa" typeface="MV Boli"/>
+        <a:font script="Deva" typeface="Mangal"/>
+        <a:font script="Telu" typeface="Gautami"/>
+        <a:font script="Taml" typeface="Latha"/>
+        <a:font script="Syrc" typeface="Estrangelo Edessa"/>
+        <a:font script="Orya" typeface="Kalinga"/>
+        <a:font script="Mlym" typeface="Kartika"/>
+        <a:font script="Laoo" typeface="DokChampa"/>
+        <a:font script="Sinh" typeface="Iskoola Pota"/>
+        <a:font script="Mong" typeface="Mongolian Baiti"/>
+        <a:font script="Viet" typeface="Times New Roman"/>
+        <a:font script="Uigh" typeface="Microsoft Uighur"/>
+        <a:font script="Geor" typeface="Sylfaen"/>
+        <a:font script="Armn" typeface="Arial"/>
+        <a:font script="Bugi" typeface="Leelawadee UI"/>
+        <a:font script="Bopo" typeface="Microsoft JhengHei"/>
+        <a:font script="Java" typeface="Javanese Text"/>
+        <a:font script="Lisu" typeface="Segoe UI"/>
+        <a:font script="Mymr" typeface="Myanmar Text"/>
+        <a:font script="Nkoo" typeface="Ebrima"/>
+        <a:font script="Olck" typeface="Nirmala UI"/>
+        <a:font script="Osma" typeface="Ebrima"/>
+        <a:font script="Phag" typeface="Phagspa"/>
+        <a:font script="Syrn" typeface="Estrangelo Edessa"/>
+        <a:font script="Syrj" typeface="Estrangelo Edessa"/>
+        <a:font script="Syre" typeface="Estrangelo Edessa"/>
+        <a:font script="Sora" typeface="Nirmala UI"/>
+        <a:font script="Tale" typeface="Microsoft Tai Le"/>
+        <a:font script="Talu" typeface="Microsoft New Tai Lue"/>
+        <a:font script="Tfng" typeface="Ebrima"/>
+      </a:majorFont>
+      <a:minorFont>
+        <a:latin typeface="Calibri" panose="020F0502020204030204"/>
+        <a:ea typeface=""/>
+        <a:cs typeface=""/>
+        <a:font script="Jpan" typeface="游ゴシック"/>
+        <a:font script="Hang" typeface="맑은 고딕"/>
+        <a:font script="Hans" typeface="等线"/>
+        <a:font script="Hant" typeface="新細明體"/>
+        <a:font script="Arab" typeface="Arial"/>
+        <a:font script="Hebr" typeface="Arial"/>
+        <a:font script="Thai" typeface="Cordia New"/>
+        <a:font script="Ethi" typeface="Nyala"/>
+        <a:font script="Beng" typeface="Vrinda"/>
+        <a:font script="Gujr" typeface="Shruti"/>
+        <a:font script="Khmr" typeface="DaunPenh"/>
+        <a:font script="Knda" typeface="Tunga"/>
+        <a:font script="Guru" typeface="Raavi"/>
+        <a:font script="Cans" typeface="Euphemia"/>
+        <a:font script="Cher" typeface="Plantagenet Cherokee"/>
+        <a:font script="Yiii" typeface="Microsoft Yi Baiti"/>
+        <a:font script="Tibt" typeface="Microsoft Himalaya"/>
+        <a:font script="Thaa" typeface="MV Boli"/>
+        <a:font script="Deva" typeface="Mangal"/>
+        <a:font script="Telu" typeface="Gautami"/>
+        <a:font script="Taml" typeface="Latha"/>
+        <a:font script="Syrc" typeface="Estrangelo Edessa"/>
+        <a:font script="Orya" typeface="Kalinga"/>
+        <a:font script="Mlym" typeface="Kartika"/>
+        <a:font script="Laoo" typeface="DokChampa"/>
+        <a:font script="Sinh" typeface="Iskoola Pota"/>
+        <a:font script="Mong" typeface="Mongolian Baiti"/>
+        <a:font script="Viet" typeface="Arial"/>
+        <a:font script="Uigh" typeface="Microsoft Uighur"/>
+        <a:font script="Geor" typeface="Sylfaen"/>
+        <a:font script="Armn" typeface="Arial"/>
+        <a:font script="Bugi" typeface="Leelawadee UI"/>
+        <a:font script="Bopo" typeface="Microsoft JhengHei"/>
+        <a:font script="Java" typeface="Javanese Text"/>
+        <a:font script="Lisu" typeface="Segoe UI"/>
+        <a:font script="Mymr" typeface="Myanmar Text"/>
+        <a:font script="Nkoo" typeface="Ebrima"/>
+        <a:font script="Olck" typeface="Nirmala UI"/>
+        <a:font script="Osma" typeface="Ebrima"/>
+        <a:font script="Phag" typeface="Phagspa"/>
+        <a:font script="Syrn" typeface="Estrangelo Edessa"/>
+        <a:font script="Syrj" typeface="Estrangelo Edessa"/>
+        <a:font script="Syre" typeface="Estrangelo Edessa"/>
+        <a:font script="Sora" typeface="Nirmala UI"/>
+        <a:font script="Tale" typeface="Microsoft Tai Le"/>
+        <a:font script="Talu" typeface="Microsoft New Tai Lue"/>
+        <a:font script="Tfng" typeface="Ebrima"/>
+      </a:minorFont>
+    </a:fontScheme>
+    <a:fmtScheme name="Office">
+      <a:fillStyleLst>
+        <a:solidFill>
+          <a:schemeClr val="phClr"/>
+        </a:solidFill>
+        <a:gradFill rotWithShape="1">
+          <a:gsLst>
+            <a:gs pos="0">
+              <a:schemeClr val="phClr">
+                <a:lumMod val="110000"/>
+                <a:satMod val="105000"/>
+                <a:tint val="67000"/>
+              </a:schemeClr>
+            </a:gs>
+            <a:gs pos="50000">
+              <a:schemeClr val="phClr">
+                <a:lumMod val="105000"/>
+                <a:satMod val="103000"/>
+                <a:tint val="73000"/>
+              </a:schemeClr>
+            </a:gs>
+            <a:gs pos="100000">
+              <a:schemeClr val="phClr">
+                <a:lumMod val="105000"/>
+                <a:satMod val="109000"/>
+                <a:tint val="81000"/>
+              </a:schemeClr>
+            </a:gs>
+          </a:gsLst>
+          <a:lin ang="5400000" scaled="0"/>
+        </a:gradFill>
+        <a:gradFill rotWithShape="1">
+          <a:gsLst>
+            <a:gs pos="0">
+              <a:schemeClr val="phClr">
+                <a:satMod val="103000"/>
+                <a:lumMod val="102000"/>
+                <a:tint val="94000"/>
+              </a:schemeClr>
+            </a:gs>
+            <a:gs pos="50000">
+              <a:schemeClr val="phClr">
+                <a:satMod val="110000"/>
+                <a:lumMod val="100000"/>
+                <a:shade val="100000"/>
+              </a:schemeClr>
+            </a:gs>
+            <a:gs pos="100000">
+              <a:schemeClr val="phClr">
+                <a:lumMod val="99000"/>
+                <a:satMod val="120000"/>
+                <a:shade val="78000"/>
+              </a:schemeClr>
+            </a:gs>
+          </a:gsLst>
+          <a:lin ang="5400000" scaled="0"/>
+        </a:gradFill>
+      </a:fillStyleLst>
+      <a:lnStyleLst>
+        <a:ln w="6350" cap="flat" cmpd="sng" algn="ctr">
+          <a:solidFill>
+            <a:schemeClr val="phClr"/>
+          </a:solidFill>
+          <a:prstDash val="solid"/>
+          <a:miter lim="800000"/>
+        </a:ln>
+        <a:ln w="12700" cap="flat" cmpd="sng" algn="ctr">
+          <a:solidFill>
+            <a:schemeClr val="phClr"/>
+          </a:solidFill>
+          <a:prstDash val="solid"/>
+          <a:miter lim="800000"/>
+        </a:ln>
+        <a:ln w="19050" cap="flat" cmpd="sng" algn="ctr">
+          <a:solidFill>
+            <a:schemeClr val="phClr"/>
+          </a:solidFill>
+          <a:prstDash val="solid"/>
+          <a:miter lim="800000"/>
+        </a:ln>
+      </a:lnStyleLst>
+      <a:effectStyleLst>
+        <a:effectStyle>
+          <a:effectLst/>
+        </a:effectStyle>
+        <a:effectStyle>
+          <a:effectLst/>
+        </a:effectStyle>
+        <a:effectStyle>
+          <a:effectLst>
+            <a:outerShdw blurRad="57150" dist="19050" dir="5400000" algn="ctr" rotWithShape="0">
+              <a:srgbClr val="000000">
+                <a:alpha val="63000"/>
+              </a:srgbClr>
+            </a:outerShdw>
+          </a:effectLst>
+        </a:effectStyle>
+      </a:effectStyleLst>
+      <a:bgFillStyleLst>
+        <a:solidFill>
+          <a:schemeClr val="phClr"/>
+        </a:solidFill>
+        <a:solidFill>
+          <a:schemeClr val="phClr">
+            <a:tint val="95000"/>
+            <a:satMod val="170000"/>
+          </a:schemeClr>
+        </a:solidFill>
+        <a:gradFill rotWithShape="1">
+          <a:gsLst>
+            <a:gs pos="0">
+              <a:schemeClr val="phClr">
+                <a:tint val="93000"/>
+                <a:satMod val="150000"/>
+                <a:shade val="98000"/>
+                <a:lumMod val="102000"/>
+              </a:schemeClr>
+            </a:gs>
+            <a:gs pos="50000">
+              <a:schemeClr val="phClr">
+                <a:tint val="98000"/>
+                <a:satMod val="130000"/>
+                <a:shade val="90000"/>
+                <a:lumMod val="103000"/>
+              </a:schemeClr>
+            </a:gs>
+            <a:gs pos="100000">
+              <a:schemeClr val="phClr">
+                <a:shade val="63000"/>
+                <a:satMod val="120000"/>
+              </a:schemeClr>
+            </a:gs>
+          </a:gsLst>
+          <a:lin ang="5400000" scaled="0"/>
+        </a:gradFill>
+      </a:bgFillStyleLst>
+    </a:fmtScheme>
+  </a:themeElements>
+  <a:objectDefaults/>
+  <a:extraClrSchemeLst/>
+  <a:extLst>
+    <a:ext uri="{05A4C25C-085E-4340-85A3-A5531E510DB2}">
+      <thm15:themeFamily xmlns:thm15="http://schemas.microsoft.com/office/thememl/2012/main" name="Office Theme" id="{62F939B6-93AF-4DB8-9C6B-D6C7DFDC589F}" vid="{4A3C46E8-61CC-4603-A589-7422A47A8E4A}"/>
+    </a:ext>
+  </a:extLst>
+</a:theme>
 </file>